--- a/docs/pptx/images.pptx
+++ b/docs/pptx/images.pptx
@@ -5,15 +5,16 @@
     <p:sldMasterId id="2147483648" r:id="rId1"/>
   </p:sldMasterIdLst>
   <p:notesMasterIdLst>
-    <p:notesMasterId r:id="rId8"/>
+    <p:notesMasterId r:id="rId9"/>
   </p:notesMasterIdLst>
   <p:sldIdLst>
     <p:sldId id="257" r:id="rId2"/>
-    <p:sldId id="258" r:id="rId3"/>
-    <p:sldId id="259" r:id="rId4"/>
-    <p:sldId id="260" r:id="rId5"/>
-    <p:sldId id="261" r:id="rId6"/>
-    <p:sldId id="262" r:id="rId7"/>
+    <p:sldId id="263" r:id="rId3"/>
+    <p:sldId id="258" r:id="rId4"/>
+    <p:sldId id="259" r:id="rId5"/>
+    <p:sldId id="260" r:id="rId6"/>
+    <p:sldId id="261" r:id="rId7"/>
+    <p:sldId id="262" r:id="rId8"/>
   </p:sldIdLst>
   <p:sldSz cx="12192000" cy="6858000"/>
   <p:notesSz cx="6858000" cy="9144000"/>
@@ -202,7 +203,7 @@
           <a:p>
             <a:fld id="{E55D1B45-1C6B-DA4B-AE36-1EA1E4E2D5A6}" type="datetimeFigureOut">
               <a:rPr lang="en-US" smtClean="0"/>
-              <a:t>9/7/24</a:t>
+              <a:t>2/5/26</a:t>
             </a:fld>
             <a:endParaRPr lang="en-US"/>
           </a:p>
@@ -598,7 +599,7 @@
           <a:bodyPr/>
           <a:lstStyle/>
           <a:p>
-            <a:endParaRPr lang="en-US"/>
+            <a:endParaRPr lang="en-US" dirty="0"/>
           </a:p>
         </p:txBody>
       </p:sp>
@@ -619,7 +620,91 @@
           <a:p>
             <a:fld id="{911C07F3-38A8-6743-AE83-584559C04CD5}" type="slidenum">
               <a:rPr lang="en-US" smtClean="0"/>
-              <a:t>5</a:t>
+              <a:t>2</a:t>
+            </a:fld>
+            <a:endParaRPr lang="en-US"/>
+          </a:p>
+        </p:txBody>
+      </p:sp>
+    </p:spTree>
+    <p:extLst>
+      <p:ext uri="{BB962C8B-B14F-4D97-AF65-F5344CB8AC3E}">
+        <p14:creationId xmlns:p14="http://schemas.microsoft.com/office/powerpoint/2010/main" val="4182447447"/>
+      </p:ext>
+    </p:extLst>
+  </p:cSld>
+  <p:clrMapOvr>
+    <a:masterClrMapping/>
+  </p:clrMapOvr>
+</p:notes>
+</file>
+
+<file path=ppt/notesSlides/notesSlide3.xml><?xml version="1.0" encoding="utf-8"?>
+<p:notes xmlns:a="http://schemas.openxmlformats.org/drawingml/2006/main" xmlns:r="http://schemas.openxmlformats.org/officeDocument/2006/relationships" xmlns:p="http://schemas.openxmlformats.org/presentationml/2006/main">
+  <p:cSld>
+    <p:spTree>
+      <p:nvGrpSpPr>
+        <p:cNvPr id="1" name=""/>
+        <p:cNvGrpSpPr/>
+        <p:nvPr/>
+      </p:nvGrpSpPr>
+      <p:grpSpPr>
+        <a:xfrm>
+          <a:off x="0" y="0"/>
+          <a:ext cx="0" cy="0"/>
+          <a:chOff x="0" y="0"/>
+          <a:chExt cx="0" cy="0"/>
+        </a:xfrm>
+      </p:grpSpPr>
+      <p:sp>
+        <p:nvSpPr>
+          <p:cNvPr id="2" name="Slide Image Placeholder 1"/>
+          <p:cNvSpPr>
+            <a:spLocks noGrp="1" noRot="1" noChangeAspect="1"/>
+          </p:cNvSpPr>
+          <p:nvPr>
+            <p:ph type="sldImg"/>
+          </p:nvPr>
+        </p:nvSpPr>
+        <p:spPr/>
+      </p:sp>
+      <p:sp>
+        <p:nvSpPr>
+          <p:cNvPr id="3" name="Notes Placeholder 2"/>
+          <p:cNvSpPr>
+            <a:spLocks noGrp="1"/>
+          </p:cNvSpPr>
+          <p:nvPr>
+            <p:ph type="body" idx="1"/>
+          </p:nvPr>
+        </p:nvSpPr>
+        <p:spPr/>
+        <p:txBody>
+          <a:bodyPr/>
+          <a:lstStyle/>
+          <a:p>
+            <a:endParaRPr lang="en-US"/>
+          </a:p>
+        </p:txBody>
+      </p:sp>
+      <p:sp>
+        <p:nvSpPr>
+          <p:cNvPr id="4" name="Slide Number Placeholder 3"/>
+          <p:cNvSpPr>
+            <a:spLocks noGrp="1"/>
+          </p:cNvSpPr>
+          <p:nvPr>
+            <p:ph type="sldNum" sz="quarter" idx="5"/>
+          </p:nvPr>
+        </p:nvSpPr>
+        <p:spPr/>
+        <p:txBody>
+          <a:bodyPr/>
+          <a:lstStyle/>
+          <a:p>
+            <a:fld id="{911C07F3-38A8-6743-AE83-584559C04CD5}" type="slidenum">
+              <a:rPr lang="en-US" smtClean="0"/>
+              <a:t>6</a:t>
             </a:fld>
             <a:endParaRPr lang="en-US"/>
           </a:p>
@@ -787,7 +872,7 @@
           <a:p>
             <a:fld id="{B069BB17-17AA-0D45-8690-908CA8595ED7}" type="datetimeFigureOut">
               <a:rPr lang="en-US" smtClean="0"/>
-              <a:t>9/7/24</a:t>
+              <a:t>2/5/26</a:t>
             </a:fld>
             <a:endParaRPr lang="en-US"/>
           </a:p>
@@ -987,7 +1072,7 @@
           <a:p>
             <a:fld id="{B069BB17-17AA-0D45-8690-908CA8595ED7}" type="datetimeFigureOut">
               <a:rPr lang="en-US" smtClean="0"/>
-              <a:t>9/7/24</a:t>
+              <a:t>2/5/26</a:t>
             </a:fld>
             <a:endParaRPr lang="en-US"/>
           </a:p>
@@ -1197,7 +1282,7 @@
           <a:p>
             <a:fld id="{B069BB17-17AA-0D45-8690-908CA8595ED7}" type="datetimeFigureOut">
               <a:rPr lang="en-US" smtClean="0"/>
-              <a:t>9/7/24</a:t>
+              <a:t>2/5/26</a:t>
             </a:fld>
             <a:endParaRPr lang="en-US"/>
           </a:p>
@@ -1397,7 +1482,7 @@
           <a:p>
             <a:fld id="{B069BB17-17AA-0D45-8690-908CA8595ED7}" type="datetimeFigureOut">
               <a:rPr lang="en-US" smtClean="0"/>
-              <a:t>9/7/24</a:t>
+              <a:t>2/5/26</a:t>
             </a:fld>
             <a:endParaRPr lang="en-US"/>
           </a:p>
@@ -1673,7 +1758,7 @@
           <a:p>
             <a:fld id="{B069BB17-17AA-0D45-8690-908CA8595ED7}" type="datetimeFigureOut">
               <a:rPr lang="en-US" smtClean="0"/>
-              <a:t>9/7/24</a:t>
+              <a:t>2/5/26</a:t>
             </a:fld>
             <a:endParaRPr lang="en-US"/>
           </a:p>
@@ -1941,7 +2026,7 @@
           <a:p>
             <a:fld id="{B069BB17-17AA-0D45-8690-908CA8595ED7}" type="datetimeFigureOut">
               <a:rPr lang="en-US" smtClean="0"/>
-              <a:t>9/7/24</a:t>
+              <a:t>2/5/26</a:t>
             </a:fld>
             <a:endParaRPr lang="en-US"/>
           </a:p>
@@ -2356,7 +2441,7 @@
           <a:p>
             <a:fld id="{B069BB17-17AA-0D45-8690-908CA8595ED7}" type="datetimeFigureOut">
               <a:rPr lang="en-US" smtClean="0"/>
-              <a:t>9/7/24</a:t>
+              <a:t>2/5/26</a:t>
             </a:fld>
             <a:endParaRPr lang="en-US"/>
           </a:p>
@@ -2498,7 +2583,7 @@
           <a:p>
             <a:fld id="{B069BB17-17AA-0D45-8690-908CA8595ED7}" type="datetimeFigureOut">
               <a:rPr lang="en-US" smtClean="0"/>
-              <a:t>9/7/24</a:t>
+              <a:t>2/5/26</a:t>
             </a:fld>
             <a:endParaRPr lang="en-US"/>
           </a:p>
@@ -2611,7 +2696,7 @@
           <a:p>
             <a:fld id="{B069BB17-17AA-0D45-8690-908CA8595ED7}" type="datetimeFigureOut">
               <a:rPr lang="en-US" smtClean="0"/>
-              <a:t>9/7/24</a:t>
+              <a:t>2/5/26</a:t>
             </a:fld>
             <a:endParaRPr lang="en-US"/>
           </a:p>
@@ -2924,7 +3009,7 @@
           <a:p>
             <a:fld id="{B069BB17-17AA-0D45-8690-908CA8595ED7}" type="datetimeFigureOut">
               <a:rPr lang="en-US" smtClean="0"/>
-              <a:t>9/7/24</a:t>
+              <a:t>2/5/26</a:t>
             </a:fld>
             <a:endParaRPr lang="en-US"/>
           </a:p>
@@ -3213,7 +3298,7 @@
           <a:p>
             <a:fld id="{B069BB17-17AA-0D45-8690-908CA8595ED7}" type="datetimeFigureOut">
               <a:rPr lang="en-US" smtClean="0"/>
-              <a:t>9/7/24</a:t>
+              <a:t>2/5/26</a:t>
             </a:fld>
             <a:endParaRPr lang="en-US"/>
           </a:p>
@@ -3456,7 +3541,7 @@
           <a:p>
             <a:fld id="{B069BB17-17AA-0D45-8690-908CA8595ED7}" type="datetimeFigureOut">
               <a:rPr lang="en-US" smtClean="0"/>
-              <a:t>9/7/24</a:t>
+              <a:t>2/5/26</a:t>
             </a:fld>
             <a:endParaRPr lang="en-US"/>
           </a:p>
@@ -6106,6 +6191,2997 @@
           <a:chExt cx="0" cy="0"/>
         </a:xfrm>
       </p:grpSpPr>
+      <p:grpSp>
+        <p:nvGrpSpPr>
+          <p:cNvPr id="22" name="Group 21">
+            <a:extLst>
+              <a:ext uri="{FF2B5EF4-FFF2-40B4-BE49-F238E27FC236}">
+                <a16:creationId xmlns:a16="http://schemas.microsoft.com/office/drawing/2014/main" id="{CC5948CB-8232-B96D-1ABD-6521DE550764}"/>
+              </a:ext>
+            </a:extLst>
+          </p:cNvPr>
+          <p:cNvGrpSpPr/>
+          <p:nvPr/>
+        </p:nvGrpSpPr>
+        <p:grpSpPr>
+          <a:xfrm>
+            <a:off x="1335136" y="235266"/>
+            <a:ext cx="8683265" cy="616257"/>
+            <a:chOff x="1252544" y="1108371"/>
+            <a:chExt cx="8683265" cy="616257"/>
+          </a:xfrm>
+        </p:grpSpPr>
+        <p:cxnSp>
+          <p:nvCxnSpPr>
+            <p:cNvPr id="3" name="Straight Connector 2">
+              <a:extLst>
+                <a:ext uri="{FF2B5EF4-FFF2-40B4-BE49-F238E27FC236}">
+                  <a16:creationId xmlns:a16="http://schemas.microsoft.com/office/drawing/2014/main" id="{CE316918-08BE-BA01-3120-FF9AA5BAE1E0}"/>
+                </a:ext>
+              </a:extLst>
+            </p:cNvPr>
+            <p:cNvCxnSpPr>
+              <a:cxnSpLocks/>
+            </p:cNvCxnSpPr>
+            <p:nvPr/>
+          </p:nvCxnSpPr>
+          <p:spPr>
+            <a:xfrm>
+              <a:off x="1342663" y="1724628"/>
+              <a:ext cx="8426669" cy="0"/>
+            </a:xfrm>
+            <a:prstGeom prst="line">
+              <a:avLst/>
+            </a:prstGeom>
+            <a:ln w="38100"/>
+          </p:spPr>
+          <p:style>
+            <a:lnRef idx="1">
+              <a:schemeClr val="accent1"/>
+            </a:lnRef>
+            <a:fillRef idx="0">
+              <a:schemeClr val="accent1"/>
+            </a:fillRef>
+            <a:effectRef idx="0">
+              <a:schemeClr val="accent1"/>
+            </a:effectRef>
+            <a:fontRef idx="minor">
+              <a:schemeClr val="tx1"/>
+            </a:fontRef>
+          </p:style>
+        </p:cxnSp>
+        <p:cxnSp>
+          <p:nvCxnSpPr>
+            <p:cNvPr id="4" name="Straight Connector 3">
+              <a:extLst>
+                <a:ext uri="{FF2B5EF4-FFF2-40B4-BE49-F238E27FC236}">
+                  <a16:creationId xmlns:a16="http://schemas.microsoft.com/office/drawing/2014/main" id="{33E5F969-D5D0-6811-7653-6EE6F4DC5CDD}"/>
+                </a:ext>
+              </a:extLst>
+            </p:cNvPr>
+            <p:cNvCxnSpPr>
+              <a:cxnSpLocks/>
+            </p:cNvCxnSpPr>
+            <p:nvPr/>
+          </p:nvCxnSpPr>
+          <p:spPr>
+            <a:xfrm flipV="1">
+              <a:off x="1495063" y="1451241"/>
+              <a:ext cx="0" cy="273387"/>
+            </a:xfrm>
+            <a:prstGeom prst="line">
+              <a:avLst/>
+            </a:prstGeom>
+            <a:ln w="38100"/>
+          </p:spPr>
+          <p:style>
+            <a:lnRef idx="1">
+              <a:schemeClr val="accent1"/>
+            </a:lnRef>
+            <a:fillRef idx="0">
+              <a:schemeClr val="accent1"/>
+            </a:fillRef>
+            <a:effectRef idx="0">
+              <a:schemeClr val="accent1"/>
+            </a:effectRef>
+            <a:fontRef idx="minor">
+              <a:schemeClr val="tx1"/>
+            </a:fontRef>
+          </p:style>
+        </p:cxnSp>
+        <p:cxnSp>
+          <p:nvCxnSpPr>
+            <p:cNvPr id="7" name="Straight Connector 6">
+              <a:extLst>
+                <a:ext uri="{FF2B5EF4-FFF2-40B4-BE49-F238E27FC236}">
+                  <a16:creationId xmlns:a16="http://schemas.microsoft.com/office/drawing/2014/main" id="{80B8AB6F-6F6E-03FA-CC73-7A95E93E2E49}"/>
+                </a:ext>
+              </a:extLst>
+            </p:cNvPr>
+            <p:cNvCxnSpPr>
+              <a:cxnSpLocks/>
+            </p:cNvCxnSpPr>
+            <p:nvPr/>
+          </p:nvCxnSpPr>
+          <p:spPr>
+            <a:xfrm flipV="1">
+              <a:off x="2850932" y="1451241"/>
+              <a:ext cx="0" cy="273387"/>
+            </a:xfrm>
+            <a:prstGeom prst="line">
+              <a:avLst/>
+            </a:prstGeom>
+            <a:ln w="38100"/>
+          </p:spPr>
+          <p:style>
+            <a:lnRef idx="1">
+              <a:schemeClr val="accent1"/>
+            </a:lnRef>
+            <a:fillRef idx="0">
+              <a:schemeClr val="accent1"/>
+            </a:fillRef>
+            <a:effectRef idx="0">
+              <a:schemeClr val="accent1"/>
+            </a:effectRef>
+            <a:fontRef idx="minor">
+              <a:schemeClr val="tx1"/>
+            </a:fontRef>
+          </p:style>
+        </p:cxnSp>
+        <p:cxnSp>
+          <p:nvCxnSpPr>
+            <p:cNvPr id="8" name="Straight Connector 7">
+              <a:extLst>
+                <a:ext uri="{FF2B5EF4-FFF2-40B4-BE49-F238E27FC236}">
+                  <a16:creationId xmlns:a16="http://schemas.microsoft.com/office/drawing/2014/main" id="{D52D1F65-79D8-A053-7A68-90D6AF5CFD4B}"/>
+                </a:ext>
+              </a:extLst>
+            </p:cNvPr>
+            <p:cNvCxnSpPr>
+              <a:cxnSpLocks/>
+            </p:cNvCxnSpPr>
+            <p:nvPr/>
+          </p:nvCxnSpPr>
+          <p:spPr>
+            <a:xfrm flipV="1">
+              <a:off x="4206801" y="1451241"/>
+              <a:ext cx="0" cy="273387"/>
+            </a:xfrm>
+            <a:prstGeom prst="line">
+              <a:avLst/>
+            </a:prstGeom>
+            <a:ln w="38100"/>
+          </p:spPr>
+          <p:style>
+            <a:lnRef idx="1">
+              <a:schemeClr val="accent1"/>
+            </a:lnRef>
+            <a:fillRef idx="0">
+              <a:schemeClr val="accent1"/>
+            </a:fillRef>
+            <a:effectRef idx="0">
+              <a:schemeClr val="accent1"/>
+            </a:effectRef>
+            <a:fontRef idx="minor">
+              <a:schemeClr val="tx1"/>
+            </a:fontRef>
+          </p:style>
+        </p:cxnSp>
+        <p:cxnSp>
+          <p:nvCxnSpPr>
+            <p:cNvPr id="9" name="Straight Connector 8">
+              <a:extLst>
+                <a:ext uri="{FF2B5EF4-FFF2-40B4-BE49-F238E27FC236}">
+                  <a16:creationId xmlns:a16="http://schemas.microsoft.com/office/drawing/2014/main" id="{5490B4BC-F756-1C89-3095-458C80AC7EA6}"/>
+                </a:ext>
+              </a:extLst>
+            </p:cNvPr>
+            <p:cNvCxnSpPr>
+              <a:cxnSpLocks/>
+            </p:cNvCxnSpPr>
+            <p:nvPr/>
+          </p:nvCxnSpPr>
+          <p:spPr>
+            <a:xfrm flipV="1">
+              <a:off x="5562670" y="1451241"/>
+              <a:ext cx="0" cy="273387"/>
+            </a:xfrm>
+            <a:prstGeom prst="line">
+              <a:avLst/>
+            </a:prstGeom>
+            <a:ln w="38100"/>
+          </p:spPr>
+          <p:style>
+            <a:lnRef idx="1">
+              <a:schemeClr val="accent1"/>
+            </a:lnRef>
+            <a:fillRef idx="0">
+              <a:schemeClr val="accent1"/>
+            </a:fillRef>
+            <a:effectRef idx="0">
+              <a:schemeClr val="accent1"/>
+            </a:effectRef>
+            <a:fontRef idx="minor">
+              <a:schemeClr val="tx1"/>
+            </a:fontRef>
+          </p:style>
+        </p:cxnSp>
+        <p:cxnSp>
+          <p:nvCxnSpPr>
+            <p:cNvPr id="10" name="Straight Connector 9">
+              <a:extLst>
+                <a:ext uri="{FF2B5EF4-FFF2-40B4-BE49-F238E27FC236}">
+                  <a16:creationId xmlns:a16="http://schemas.microsoft.com/office/drawing/2014/main" id="{31B07E3A-62E2-1951-513C-277DCE13CD4F}"/>
+                </a:ext>
+              </a:extLst>
+            </p:cNvPr>
+            <p:cNvCxnSpPr>
+              <a:cxnSpLocks/>
+            </p:cNvCxnSpPr>
+            <p:nvPr/>
+          </p:nvCxnSpPr>
+          <p:spPr>
+            <a:xfrm flipV="1">
+              <a:off x="6918539" y="1451241"/>
+              <a:ext cx="0" cy="273387"/>
+            </a:xfrm>
+            <a:prstGeom prst="line">
+              <a:avLst/>
+            </a:prstGeom>
+            <a:ln w="38100"/>
+          </p:spPr>
+          <p:style>
+            <a:lnRef idx="1">
+              <a:schemeClr val="accent1"/>
+            </a:lnRef>
+            <a:fillRef idx="0">
+              <a:schemeClr val="accent1"/>
+            </a:fillRef>
+            <a:effectRef idx="0">
+              <a:schemeClr val="accent1"/>
+            </a:effectRef>
+            <a:fontRef idx="minor">
+              <a:schemeClr val="tx1"/>
+            </a:fontRef>
+          </p:style>
+        </p:cxnSp>
+        <p:cxnSp>
+          <p:nvCxnSpPr>
+            <p:cNvPr id="11" name="Straight Connector 10">
+              <a:extLst>
+                <a:ext uri="{FF2B5EF4-FFF2-40B4-BE49-F238E27FC236}">
+                  <a16:creationId xmlns:a16="http://schemas.microsoft.com/office/drawing/2014/main" id="{690A0E87-736F-2738-AAA9-31DD8D9AF0D8}"/>
+                </a:ext>
+              </a:extLst>
+            </p:cNvPr>
+            <p:cNvCxnSpPr>
+              <a:cxnSpLocks/>
+            </p:cNvCxnSpPr>
+            <p:nvPr/>
+          </p:nvCxnSpPr>
+          <p:spPr>
+            <a:xfrm flipV="1">
+              <a:off x="8274408" y="1451241"/>
+              <a:ext cx="0" cy="273387"/>
+            </a:xfrm>
+            <a:prstGeom prst="line">
+              <a:avLst/>
+            </a:prstGeom>
+            <a:ln w="38100"/>
+          </p:spPr>
+          <p:style>
+            <a:lnRef idx="1">
+              <a:schemeClr val="accent1"/>
+            </a:lnRef>
+            <a:fillRef idx="0">
+              <a:schemeClr val="accent1"/>
+            </a:fillRef>
+            <a:effectRef idx="0">
+              <a:schemeClr val="accent1"/>
+            </a:effectRef>
+            <a:fontRef idx="minor">
+              <a:schemeClr val="tx1"/>
+            </a:fontRef>
+          </p:style>
+        </p:cxnSp>
+        <p:cxnSp>
+          <p:nvCxnSpPr>
+            <p:cNvPr id="12" name="Straight Connector 11">
+              <a:extLst>
+                <a:ext uri="{FF2B5EF4-FFF2-40B4-BE49-F238E27FC236}">
+                  <a16:creationId xmlns:a16="http://schemas.microsoft.com/office/drawing/2014/main" id="{A3CCAF45-A6A3-0615-4B7E-4A7172A992D6}"/>
+                </a:ext>
+              </a:extLst>
+            </p:cNvPr>
+            <p:cNvCxnSpPr>
+              <a:cxnSpLocks/>
+            </p:cNvCxnSpPr>
+            <p:nvPr/>
+          </p:nvCxnSpPr>
+          <p:spPr>
+            <a:xfrm flipV="1">
+              <a:off x="9630277" y="1451241"/>
+              <a:ext cx="0" cy="273387"/>
+            </a:xfrm>
+            <a:prstGeom prst="line">
+              <a:avLst/>
+            </a:prstGeom>
+            <a:ln w="38100"/>
+          </p:spPr>
+          <p:style>
+            <a:lnRef idx="1">
+              <a:schemeClr val="accent1"/>
+            </a:lnRef>
+            <a:fillRef idx="0">
+              <a:schemeClr val="accent1"/>
+            </a:fillRef>
+            <a:effectRef idx="0">
+              <a:schemeClr val="accent1"/>
+            </a:effectRef>
+            <a:fontRef idx="minor">
+              <a:schemeClr val="tx1"/>
+            </a:fontRef>
+          </p:style>
+        </p:cxnSp>
+        <p:sp>
+          <p:nvSpPr>
+            <p:cNvPr id="14" name="TextBox 13">
+              <a:extLst>
+                <a:ext uri="{FF2B5EF4-FFF2-40B4-BE49-F238E27FC236}">
+                  <a16:creationId xmlns:a16="http://schemas.microsoft.com/office/drawing/2014/main" id="{E25616B8-CE76-7DC5-9A42-BBE114F621FD}"/>
+                </a:ext>
+              </a:extLst>
+            </p:cNvPr>
+            <p:cNvSpPr txBox="1"/>
+            <p:nvPr/>
+          </p:nvSpPr>
+          <p:spPr>
+            <a:xfrm>
+              <a:off x="5431865" y="1108371"/>
+              <a:ext cx="261610" cy="369332"/>
+            </a:xfrm>
+            <a:prstGeom prst="rect">
+              <a:avLst/>
+            </a:prstGeom>
+            <a:noFill/>
+          </p:spPr>
+          <p:txBody>
+            <a:bodyPr wrap="none" rtlCol="0">
+              <a:spAutoFit/>
+            </a:bodyPr>
+            <a:lstStyle/>
+            <a:p>
+              <a:r>
+                <a:rPr lang="en-US" dirty="0"/>
+                <a:t>t</a:t>
+              </a:r>
+            </a:p>
+          </p:txBody>
+        </p:sp>
+        <p:sp>
+          <p:nvSpPr>
+            <p:cNvPr id="15" name="TextBox 14">
+              <a:extLst>
+                <a:ext uri="{FF2B5EF4-FFF2-40B4-BE49-F238E27FC236}">
+                  <a16:creationId xmlns:a16="http://schemas.microsoft.com/office/drawing/2014/main" id="{A5633BBB-6E5E-3A2E-6427-8D75F1C05601}"/>
+                </a:ext>
+              </a:extLst>
+            </p:cNvPr>
+            <p:cNvSpPr txBox="1"/>
+            <p:nvPr/>
+          </p:nvSpPr>
+          <p:spPr>
+            <a:xfrm>
+              <a:off x="6671516" y="1108371"/>
+              <a:ext cx="494046" cy="369332"/>
+            </a:xfrm>
+            <a:prstGeom prst="rect">
+              <a:avLst/>
+            </a:prstGeom>
+            <a:noFill/>
+          </p:spPr>
+          <p:txBody>
+            <a:bodyPr wrap="none" rtlCol="0">
+              <a:spAutoFit/>
+            </a:bodyPr>
+            <a:lstStyle/>
+            <a:p>
+              <a:r>
+                <a:rPr lang="en-US" dirty="0"/>
+                <a:t>t+6</a:t>
+              </a:r>
+            </a:p>
+          </p:txBody>
+        </p:sp>
+        <p:sp>
+          <p:nvSpPr>
+            <p:cNvPr id="16" name="TextBox 15">
+              <a:extLst>
+                <a:ext uri="{FF2B5EF4-FFF2-40B4-BE49-F238E27FC236}">
+                  <a16:creationId xmlns:a16="http://schemas.microsoft.com/office/drawing/2014/main" id="{34439C2D-414C-3851-F529-7888BC8CD8F3}"/>
+                </a:ext>
+              </a:extLst>
+            </p:cNvPr>
+            <p:cNvSpPr txBox="1"/>
+            <p:nvPr/>
+          </p:nvSpPr>
+          <p:spPr>
+            <a:xfrm>
+              <a:off x="7968875" y="1108371"/>
+              <a:ext cx="611065" cy="369332"/>
+            </a:xfrm>
+            <a:prstGeom prst="rect">
+              <a:avLst/>
+            </a:prstGeom>
+            <a:noFill/>
+          </p:spPr>
+          <p:txBody>
+            <a:bodyPr wrap="none" rtlCol="0">
+              <a:spAutoFit/>
+            </a:bodyPr>
+            <a:lstStyle/>
+            <a:p>
+              <a:r>
+                <a:rPr lang="en-US" dirty="0"/>
+                <a:t>t+12</a:t>
+              </a:r>
+            </a:p>
+          </p:txBody>
+        </p:sp>
+        <p:sp>
+          <p:nvSpPr>
+            <p:cNvPr id="17" name="TextBox 16">
+              <a:extLst>
+                <a:ext uri="{FF2B5EF4-FFF2-40B4-BE49-F238E27FC236}">
+                  <a16:creationId xmlns:a16="http://schemas.microsoft.com/office/drawing/2014/main" id="{A78DDF88-BC53-A969-EEA3-58FD64A4926A}"/>
+                </a:ext>
+              </a:extLst>
+            </p:cNvPr>
+            <p:cNvSpPr txBox="1"/>
+            <p:nvPr/>
+          </p:nvSpPr>
+          <p:spPr>
+            <a:xfrm>
+              <a:off x="9324744" y="1108371"/>
+              <a:ext cx="611065" cy="369332"/>
+            </a:xfrm>
+            <a:prstGeom prst="rect">
+              <a:avLst/>
+            </a:prstGeom>
+            <a:noFill/>
+          </p:spPr>
+          <p:txBody>
+            <a:bodyPr wrap="none" rtlCol="0">
+              <a:spAutoFit/>
+            </a:bodyPr>
+            <a:lstStyle/>
+            <a:p>
+              <a:r>
+                <a:rPr lang="en-US" dirty="0"/>
+                <a:t>t+18</a:t>
+              </a:r>
+            </a:p>
+          </p:txBody>
+        </p:sp>
+        <p:sp>
+          <p:nvSpPr>
+            <p:cNvPr id="18" name="TextBox 17">
+              <a:extLst>
+                <a:ext uri="{FF2B5EF4-FFF2-40B4-BE49-F238E27FC236}">
+                  <a16:creationId xmlns:a16="http://schemas.microsoft.com/office/drawing/2014/main" id="{98BC675C-ECA7-FC21-8EEA-745DE3166840}"/>
+                </a:ext>
+              </a:extLst>
+            </p:cNvPr>
+            <p:cNvSpPr txBox="1"/>
+            <p:nvPr/>
+          </p:nvSpPr>
+          <p:spPr>
+            <a:xfrm>
+              <a:off x="3959778" y="1108371"/>
+              <a:ext cx="442044" cy="369332"/>
+            </a:xfrm>
+            <a:prstGeom prst="rect">
+              <a:avLst/>
+            </a:prstGeom>
+            <a:noFill/>
+          </p:spPr>
+          <p:txBody>
+            <a:bodyPr wrap="none" rtlCol="0">
+              <a:spAutoFit/>
+            </a:bodyPr>
+            <a:lstStyle/>
+            <a:p>
+              <a:r>
+                <a:rPr lang="en-US" dirty="0"/>
+                <a:t>t-6</a:t>
+              </a:r>
+            </a:p>
+          </p:txBody>
+        </p:sp>
+        <p:sp>
+          <p:nvSpPr>
+            <p:cNvPr id="19" name="TextBox 18">
+              <a:extLst>
+                <a:ext uri="{FF2B5EF4-FFF2-40B4-BE49-F238E27FC236}">
+                  <a16:creationId xmlns:a16="http://schemas.microsoft.com/office/drawing/2014/main" id="{54FA1127-6CF6-E955-558F-39FC0EAAC247}"/>
+                </a:ext>
+              </a:extLst>
+            </p:cNvPr>
+            <p:cNvSpPr txBox="1"/>
+            <p:nvPr/>
+          </p:nvSpPr>
+          <p:spPr>
+            <a:xfrm>
+              <a:off x="2606161" y="1108371"/>
+              <a:ext cx="559064" cy="369332"/>
+            </a:xfrm>
+            <a:prstGeom prst="rect">
+              <a:avLst/>
+            </a:prstGeom>
+            <a:noFill/>
+          </p:spPr>
+          <p:txBody>
+            <a:bodyPr wrap="none" rtlCol="0">
+              <a:spAutoFit/>
+            </a:bodyPr>
+            <a:lstStyle/>
+            <a:p>
+              <a:r>
+                <a:rPr lang="en-US" dirty="0"/>
+                <a:t>t-12</a:t>
+              </a:r>
+            </a:p>
+          </p:txBody>
+        </p:sp>
+        <p:sp>
+          <p:nvSpPr>
+            <p:cNvPr id="20" name="TextBox 19">
+              <a:extLst>
+                <a:ext uri="{FF2B5EF4-FFF2-40B4-BE49-F238E27FC236}">
+                  <a16:creationId xmlns:a16="http://schemas.microsoft.com/office/drawing/2014/main" id="{919D3C5A-A815-FDC8-3B14-5D91F1B71677}"/>
+                </a:ext>
+              </a:extLst>
+            </p:cNvPr>
+            <p:cNvSpPr txBox="1"/>
+            <p:nvPr/>
+          </p:nvSpPr>
+          <p:spPr>
+            <a:xfrm>
+              <a:off x="1252544" y="1108371"/>
+              <a:ext cx="559064" cy="369332"/>
+            </a:xfrm>
+            <a:prstGeom prst="rect">
+              <a:avLst/>
+            </a:prstGeom>
+            <a:noFill/>
+          </p:spPr>
+          <p:txBody>
+            <a:bodyPr wrap="none" rtlCol="0">
+              <a:spAutoFit/>
+            </a:bodyPr>
+            <a:lstStyle/>
+            <a:p>
+              <a:r>
+                <a:rPr lang="en-US" dirty="0"/>
+                <a:t>t-18</a:t>
+              </a:r>
+            </a:p>
+          </p:txBody>
+        </p:sp>
+      </p:grpSp>
+      <p:sp>
+        <p:nvSpPr>
+          <p:cNvPr id="21" name="Round Same-side Corner of Rectangle 20">
+            <a:extLst>
+              <a:ext uri="{FF2B5EF4-FFF2-40B4-BE49-F238E27FC236}">
+                <a16:creationId xmlns:a16="http://schemas.microsoft.com/office/drawing/2014/main" id="{76A56D88-D04E-6FA9-24FA-86062FD87857}"/>
+              </a:ext>
+            </a:extLst>
+          </p:cNvPr>
+          <p:cNvSpPr/>
+          <p:nvPr/>
+        </p:nvSpPr>
+        <p:spPr>
+          <a:xfrm rot="16200000">
+            <a:off x="5046074" y="487864"/>
+            <a:ext cx="330357" cy="1221168"/>
+          </a:xfrm>
+          <a:prstGeom prst="round2SameRect">
+            <a:avLst/>
+          </a:prstGeom>
+        </p:spPr>
+        <p:style>
+          <a:lnRef idx="2">
+            <a:schemeClr val="accent1">
+              <a:shade val="15000"/>
+            </a:schemeClr>
+          </a:lnRef>
+          <a:fillRef idx="1">
+            <a:schemeClr val="accent1"/>
+          </a:fillRef>
+          <a:effectRef idx="0">
+            <a:schemeClr val="accent1"/>
+          </a:effectRef>
+          <a:fontRef idx="minor">
+            <a:schemeClr val="lt1"/>
+          </a:fontRef>
+        </p:style>
+        <p:txBody>
+          <a:bodyPr rtlCol="0" anchor="ctr"/>
+          <a:lstStyle/>
+          <a:p>
+            <a:pPr algn="ctr"/>
+            <a:endParaRPr lang="en-US"/>
+          </a:p>
+        </p:txBody>
+      </p:sp>
+      <p:sp>
+        <p:nvSpPr>
+          <p:cNvPr id="23" name="Round Same-side Corner of Rectangle 22">
+            <a:extLst>
+              <a:ext uri="{FF2B5EF4-FFF2-40B4-BE49-F238E27FC236}">
+                <a16:creationId xmlns:a16="http://schemas.microsoft.com/office/drawing/2014/main" id="{2F33F472-91DC-956C-6C48-706E632EE4C5}"/>
+              </a:ext>
+            </a:extLst>
+          </p:cNvPr>
+          <p:cNvSpPr/>
+          <p:nvPr/>
+        </p:nvSpPr>
+        <p:spPr>
+          <a:xfrm rot="16200000">
+            <a:off x="6389812" y="487864"/>
+            <a:ext cx="330357" cy="1221168"/>
+          </a:xfrm>
+          <a:prstGeom prst="round2SameRect">
+            <a:avLst/>
+          </a:prstGeom>
+        </p:spPr>
+        <p:style>
+          <a:lnRef idx="2">
+            <a:schemeClr val="accent1">
+              <a:shade val="15000"/>
+            </a:schemeClr>
+          </a:lnRef>
+          <a:fillRef idx="1">
+            <a:schemeClr val="accent1"/>
+          </a:fillRef>
+          <a:effectRef idx="0">
+            <a:schemeClr val="accent1"/>
+          </a:effectRef>
+          <a:fontRef idx="minor">
+            <a:schemeClr val="lt1"/>
+          </a:fontRef>
+        </p:style>
+        <p:txBody>
+          <a:bodyPr rtlCol="0" anchor="ctr"/>
+          <a:lstStyle/>
+          <a:p>
+            <a:pPr algn="ctr"/>
+            <a:endParaRPr lang="en-US"/>
+          </a:p>
+        </p:txBody>
+      </p:sp>
+      <p:sp>
+        <p:nvSpPr>
+          <p:cNvPr id="26" name="Round Same-side Corner of Rectangle 25">
+            <a:extLst>
+              <a:ext uri="{FF2B5EF4-FFF2-40B4-BE49-F238E27FC236}">
+                <a16:creationId xmlns:a16="http://schemas.microsoft.com/office/drawing/2014/main" id="{BD2E76A5-B94A-AEAC-3828-3B05CCB1D2DA}"/>
+              </a:ext>
+            </a:extLst>
+          </p:cNvPr>
+          <p:cNvSpPr/>
+          <p:nvPr/>
+        </p:nvSpPr>
+        <p:spPr>
+          <a:xfrm rot="16200000">
+            <a:off x="7733550" y="487864"/>
+            <a:ext cx="330357" cy="1221168"/>
+          </a:xfrm>
+          <a:prstGeom prst="round2SameRect">
+            <a:avLst/>
+          </a:prstGeom>
+        </p:spPr>
+        <p:style>
+          <a:lnRef idx="2">
+            <a:schemeClr val="accent1">
+              <a:shade val="15000"/>
+            </a:schemeClr>
+          </a:lnRef>
+          <a:fillRef idx="1">
+            <a:schemeClr val="accent1"/>
+          </a:fillRef>
+          <a:effectRef idx="0">
+            <a:schemeClr val="accent1"/>
+          </a:effectRef>
+          <a:fontRef idx="minor">
+            <a:schemeClr val="lt1"/>
+          </a:fontRef>
+        </p:style>
+        <p:txBody>
+          <a:bodyPr rtlCol="0" anchor="ctr"/>
+          <a:lstStyle/>
+          <a:p>
+            <a:pPr algn="ctr"/>
+            <a:endParaRPr lang="en-US"/>
+          </a:p>
+        </p:txBody>
+      </p:sp>
+      <p:sp>
+        <p:nvSpPr>
+          <p:cNvPr id="27" name="Round Same-side Corner of Rectangle 26">
+            <a:extLst>
+              <a:ext uri="{FF2B5EF4-FFF2-40B4-BE49-F238E27FC236}">
+                <a16:creationId xmlns:a16="http://schemas.microsoft.com/office/drawing/2014/main" id="{16A95D81-A899-7776-7114-A4EE5123892B}"/>
+              </a:ext>
+            </a:extLst>
+          </p:cNvPr>
+          <p:cNvSpPr/>
+          <p:nvPr/>
+        </p:nvSpPr>
+        <p:spPr>
+          <a:xfrm rot="16200000">
+            <a:off x="9077287" y="487864"/>
+            <a:ext cx="330357" cy="1221168"/>
+          </a:xfrm>
+          <a:prstGeom prst="round2SameRect">
+            <a:avLst/>
+          </a:prstGeom>
+        </p:spPr>
+        <p:style>
+          <a:lnRef idx="2">
+            <a:schemeClr val="accent1">
+              <a:shade val="15000"/>
+            </a:schemeClr>
+          </a:lnRef>
+          <a:fillRef idx="1">
+            <a:schemeClr val="accent1"/>
+          </a:fillRef>
+          <a:effectRef idx="0">
+            <a:schemeClr val="accent1"/>
+          </a:effectRef>
+          <a:fontRef idx="minor">
+            <a:schemeClr val="lt1"/>
+          </a:fontRef>
+        </p:style>
+        <p:txBody>
+          <a:bodyPr rtlCol="0" anchor="ctr"/>
+          <a:lstStyle/>
+          <a:p>
+            <a:pPr algn="ctr"/>
+            <a:endParaRPr lang="en-US"/>
+          </a:p>
+        </p:txBody>
+      </p:sp>
+      <p:sp>
+        <p:nvSpPr>
+          <p:cNvPr id="28" name="Round Same-side Corner of Rectangle 27">
+            <a:extLst>
+              <a:ext uri="{FF2B5EF4-FFF2-40B4-BE49-F238E27FC236}">
+                <a16:creationId xmlns:a16="http://schemas.microsoft.com/office/drawing/2014/main" id="{D54C15FB-4498-32A6-6730-1999B4FF2113}"/>
+              </a:ext>
+            </a:extLst>
+          </p:cNvPr>
+          <p:cNvSpPr/>
+          <p:nvPr/>
+        </p:nvSpPr>
+        <p:spPr>
+          <a:xfrm rot="16200000">
+            <a:off x="3702336" y="487864"/>
+            <a:ext cx="330357" cy="1221168"/>
+          </a:xfrm>
+          <a:prstGeom prst="round2SameRect">
+            <a:avLst/>
+          </a:prstGeom>
+        </p:spPr>
+        <p:style>
+          <a:lnRef idx="2">
+            <a:schemeClr val="accent1">
+              <a:shade val="15000"/>
+            </a:schemeClr>
+          </a:lnRef>
+          <a:fillRef idx="1">
+            <a:schemeClr val="accent1"/>
+          </a:fillRef>
+          <a:effectRef idx="0">
+            <a:schemeClr val="accent1"/>
+          </a:effectRef>
+          <a:fontRef idx="minor">
+            <a:schemeClr val="lt1"/>
+          </a:fontRef>
+        </p:style>
+        <p:txBody>
+          <a:bodyPr rtlCol="0" anchor="ctr"/>
+          <a:lstStyle/>
+          <a:p>
+            <a:pPr algn="ctr"/>
+            <a:endParaRPr lang="en-US"/>
+          </a:p>
+        </p:txBody>
+      </p:sp>
+      <p:sp>
+        <p:nvSpPr>
+          <p:cNvPr id="29" name="Round Same-side Corner of Rectangle 28">
+            <a:extLst>
+              <a:ext uri="{FF2B5EF4-FFF2-40B4-BE49-F238E27FC236}">
+                <a16:creationId xmlns:a16="http://schemas.microsoft.com/office/drawing/2014/main" id="{F32BB3AE-8D31-3593-7DA9-9F59D03DEF9C}"/>
+              </a:ext>
+            </a:extLst>
+          </p:cNvPr>
+          <p:cNvSpPr/>
+          <p:nvPr/>
+        </p:nvSpPr>
+        <p:spPr>
+          <a:xfrm rot="16200000">
+            <a:off x="2358598" y="487864"/>
+            <a:ext cx="330357" cy="1221168"/>
+          </a:xfrm>
+          <a:prstGeom prst="round2SameRect">
+            <a:avLst/>
+          </a:prstGeom>
+        </p:spPr>
+        <p:style>
+          <a:lnRef idx="2">
+            <a:schemeClr val="accent1">
+              <a:shade val="15000"/>
+            </a:schemeClr>
+          </a:lnRef>
+          <a:fillRef idx="1">
+            <a:schemeClr val="accent1"/>
+          </a:fillRef>
+          <a:effectRef idx="0">
+            <a:schemeClr val="accent1"/>
+          </a:effectRef>
+          <a:fontRef idx="minor">
+            <a:schemeClr val="lt1"/>
+          </a:fontRef>
+        </p:style>
+        <p:txBody>
+          <a:bodyPr rtlCol="0" anchor="ctr"/>
+          <a:lstStyle/>
+          <a:p>
+            <a:pPr algn="ctr"/>
+            <a:endParaRPr lang="en-US"/>
+          </a:p>
+        </p:txBody>
+      </p:sp>
+      <p:cxnSp>
+        <p:nvCxnSpPr>
+          <p:cNvPr id="31" name="Straight Connector 30">
+            <a:extLst>
+              <a:ext uri="{FF2B5EF4-FFF2-40B4-BE49-F238E27FC236}">
+                <a16:creationId xmlns:a16="http://schemas.microsoft.com/office/drawing/2014/main" id="{0BE5A906-95C6-490D-C4DF-C2A6AD4159F5}"/>
+              </a:ext>
+            </a:extLst>
+          </p:cNvPr>
+          <p:cNvCxnSpPr>
+            <a:cxnSpLocks/>
+          </p:cNvCxnSpPr>
+          <p:nvPr/>
+        </p:nvCxnSpPr>
+        <p:spPr>
+          <a:xfrm>
+            <a:off x="1424130" y="1968693"/>
+            <a:ext cx="8426669" cy="0"/>
+          </a:xfrm>
+          <a:prstGeom prst="line">
+            <a:avLst/>
+          </a:prstGeom>
+          <a:ln w="38100"/>
+        </p:spPr>
+        <p:style>
+          <a:lnRef idx="1">
+            <a:schemeClr val="accent1"/>
+          </a:lnRef>
+          <a:fillRef idx="0">
+            <a:schemeClr val="accent1"/>
+          </a:fillRef>
+          <a:effectRef idx="0">
+            <a:schemeClr val="accent1"/>
+          </a:effectRef>
+          <a:fontRef idx="minor">
+            <a:schemeClr val="tx1"/>
+          </a:fontRef>
+        </p:style>
+      </p:cxnSp>
+      <p:cxnSp>
+        <p:nvCxnSpPr>
+          <p:cNvPr id="33" name="Straight Connector 32">
+            <a:extLst>
+              <a:ext uri="{FF2B5EF4-FFF2-40B4-BE49-F238E27FC236}">
+                <a16:creationId xmlns:a16="http://schemas.microsoft.com/office/drawing/2014/main" id="{D78BF9BA-CF90-6BAB-FBD0-CD7C76C94F14}"/>
+              </a:ext>
+            </a:extLst>
+          </p:cNvPr>
+          <p:cNvCxnSpPr>
+            <a:cxnSpLocks/>
+          </p:cNvCxnSpPr>
+          <p:nvPr/>
+        </p:nvCxnSpPr>
+        <p:spPr>
+          <a:xfrm flipV="1">
+            <a:off x="2932399" y="1695306"/>
+            <a:ext cx="0" cy="273387"/>
+          </a:xfrm>
+          <a:prstGeom prst="line">
+            <a:avLst/>
+          </a:prstGeom>
+          <a:ln w="38100"/>
+        </p:spPr>
+        <p:style>
+          <a:lnRef idx="1">
+            <a:schemeClr val="accent1"/>
+          </a:lnRef>
+          <a:fillRef idx="0">
+            <a:schemeClr val="accent1"/>
+          </a:fillRef>
+          <a:effectRef idx="0">
+            <a:schemeClr val="accent1"/>
+          </a:effectRef>
+          <a:fontRef idx="minor">
+            <a:schemeClr val="tx1"/>
+          </a:fontRef>
+        </p:style>
+      </p:cxnSp>
+      <p:cxnSp>
+        <p:nvCxnSpPr>
+          <p:cNvPr id="35" name="Straight Connector 34">
+            <a:extLst>
+              <a:ext uri="{FF2B5EF4-FFF2-40B4-BE49-F238E27FC236}">
+                <a16:creationId xmlns:a16="http://schemas.microsoft.com/office/drawing/2014/main" id="{F50D0374-7D9E-059D-53B7-9998A567069B}"/>
+              </a:ext>
+            </a:extLst>
+          </p:cNvPr>
+          <p:cNvCxnSpPr>
+            <a:cxnSpLocks/>
+          </p:cNvCxnSpPr>
+          <p:nvPr/>
+        </p:nvCxnSpPr>
+        <p:spPr>
+          <a:xfrm flipV="1">
+            <a:off x="5644137" y="1695306"/>
+            <a:ext cx="0" cy="273387"/>
+          </a:xfrm>
+          <a:prstGeom prst="line">
+            <a:avLst/>
+          </a:prstGeom>
+          <a:ln w="38100"/>
+        </p:spPr>
+        <p:style>
+          <a:lnRef idx="1">
+            <a:schemeClr val="accent1"/>
+          </a:lnRef>
+          <a:fillRef idx="0">
+            <a:schemeClr val="accent1"/>
+          </a:fillRef>
+          <a:effectRef idx="0">
+            <a:schemeClr val="accent1"/>
+          </a:effectRef>
+          <a:fontRef idx="minor">
+            <a:schemeClr val="tx1"/>
+          </a:fontRef>
+        </p:style>
+      </p:cxnSp>
+      <p:cxnSp>
+        <p:nvCxnSpPr>
+          <p:cNvPr id="37" name="Straight Connector 36">
+            <a:extLst>
+              <a:ext uri="{FF2B5EF4-FFF2-40B4-BE49-F238E27FC236}">
+                <a16:creationId xmlns:a16="http://schemas.microsoft.com/office/drawing/2014/main" id="{5C9A5F00-3E40-D79F-3228-59F7EC3F27A8}"/>
+              </a:ext>
+            </a:extLst>
+          </p:cNvPr>
+          <p:cNvCxnSpPr>
+            <a:cxnSpLocks/>
+          </p:cNvCxnSpPr>
+          <p:nvPr/>
+        </p:nvCxnSpPr>
+        <p:spPr>
+          <a:xfrm flipV="1">
+            <a:off x="8355875" y="1695306"/>
+            <a:ext cx="0" cy="273387"/>
+          </a:xfrm>
+          <a:prstGeom prst="line">
+            <a:avLst/>
+          </a:prstGeom>
+          <a:ln w="38100"/>
+        </p:spPr>
+        <p:style>
+          <a:lnRef idx="1">
+            <a:schemeClr val="accent1"/>
+          </a:lnRef>
+          <a:fillRef idx="0">
+            <a:schemeClr val="accent1"/>
+          </a:fillRef>
+          <a:effectRef idx="0">
+            <a:schemeClr val="accent1"/>
+          </a:effectRef>
+          <a:fontRef idx="minor">
+            <a:schemeClr val="tx1"/>
+          </a:fontRef>
+        </p:style>
+      </p:cxnSp>
+      <p:sp>
+        <p:nvSpPr>
+          <p:cNvPr id="39" name="TextBox 38">
+            <a:extLst>
+              <a:ext uri="{FF2B5EF4-FFF2-40B4-BE49-F238E27FC236}">
+                <a16:creationId xmlns:a16="http://schemas.microsoft.com/office/drawing/2014/main" id="{E5CE533D-08A2-FEFA-AEAE-CED3BA9FC511}"/>
+              </a:ext>
+            </a:extLst>
+          </p:cNvPr>
+          <p:cNvSpPr txBox="1"/>
+          <p:nvPr/>
+        </p:nvSpPr>
+        <p:spPr>
+          <a:xfrm>
+            <a:off x="5513332" y="1352436"/>
+            <a:ext cx="261610" cy="369332"/>
+          </a:xfrm>
+          <a:prstGeom prst="rect">
+            <a:avLst/>
+          </a:prstGeom>
+          <a:noFill/>
+        </p:spPr>
+        <p:txBody>
+          <a:bodyPr wrap="none" rtlCol="0">
+            <a:spAutoFit/>
+          </a:bodyPr>
+          <a:lstStyle/>
+          <a:p>
+            <a:r>
+              <a:rPr lang="en-US" dirty="0"/>
+              <a:t>t</a:t>
+            </a:r>
+          </a:p>
+        </p:txBody>
+      </p:sp>
+      <p:sp>
+        <p:nvSpPr>
+          <p:cNvPr id="41" name="TextBox 40">
+            <a:extLst>
+              <a:ext uri="{FF2B5EF4-FFF2-40B4-BE49-F238E27FC236}">
+                <a16:creationId xmlns:a16="http://schemas.microsoft.com/office/drawing/2014/main" id="{A092DA9D-A964-62C5-A2A8-8463FA559EA5}"/>
+              </a:ext>
+            </a:extLst>
+          </p:cNvPr>
+          <p:cNvSpPr txBox="1"/>
+          <p:nvPr/>
+        </p:nvSpPr>
+        <p:spPr>
+          <a:xfrm>
+            <a:off x="8050342" y="1352436"/>
+            <a:ext cx="611065" cy="369332"/>
+          </a:xfrm>
+          <a:prstGeom prst="rect">
+            <a:avLst/>
+          </a:prstGeom>
+          <a:noFill/>
+        </p:spPr>
+        <p:txBody>
+          <a:bodyPr wrap="none" rtlCol="0">
+            <a:spAutoFit/>
+          </a:bodyPr>
+          <a:lstStyle/>
+          <a:p>
+            <a:r>
+              <a:rPr lang="en-US" dirty="0"/>
+              <a:t>t+12</a:t>
+            </a:r>
+          </a:p>
+        </p:txBody>
+      </p:sp>
+      <p:sp>
+        <p:nvSpPr>
+          <p:cNvPr id="44" name="TextBox 43">
+            <a:extLst>
+              <a:ext uri="{FF2B5EF4-FFF2-40B4-BE49-F238E27FC236}">
+                <a16:creationId xmlns:a16="http://schemas.microsoft.com/office/drawing/2014/main" id="{2F9F684A-2615-8929-F607-C4A2AA548CC2}"/>
+              </a:ext>
+            </a:extLst>
+          </p:cNvPr>
+          <p:cNvSpPr txBox="1"/>
+          <p:nvPr/>
+        </p:nvSpPr>
+        <p:spPr>
+          <a:xfrm>
+            <a:off x="2687628" y="1352436"/>
+            <a:ext cx="559064" cy="369332"/>
+          </a:xfrm>
+          <a:prstGeom prst="rect">
+            <a:avLst/>
+          </a:prstGeom>
+          <a:noFill/>
+        </p:spPr>
+        <p:txBody>
+          <a:bodyPr wrap="none" rtlCol="0">
+            <a:spAutoFit/>
+          </a:bodyPr>
+          <a:lstStyle/>
+          <a:p>
+            <a:r>
+              <a:rPr lang="en-US" dirty="0"/>
+              <a:t>t-12</a:t>
+            </a:r>
+          </a:p>
+        </p:txBody>
+      </p:sp>
+      <p:sp>
+        <p:nvSpPr>
+          <p:cNvPr id="46" name="Round Same-side Corner of Rectangle 45">
+            <a:extLst>
+              <a:ext uri="{FF2B5EF4-FFF2-40B4-BE49-F238E27FC236}">
+                <a16:creationId xmlns:a16="http://schemas.microsoft.com/office/drawing/2014/main" id="{87DACB42-AA19-5DFF-F8CC-1883FDB52D3D}"/>
+              </a:ext>
+            </a:extLst>
+          </p:cNvPr>
+          <p:cNvSpPr/>
+          <p:nvPr/>
+        </p:nvSpPr>
+        <p:spPr>
+          <a:xfrm rot="16200000">
+            <a:off x="5044949" y="1605034"/>
+            <a:ext cx="330357" cy="1221168"/>
+          </a:xfrm>
+          <a:prstGeom prst="round2SameRect">
+            <a:avLst/>
+          </a:prstGeom>
+        </p:spPr>
+        <p:style>
+          <a:lnRef idx="2">
+            <a:schemeClr val="accent1">
+              <a:shade val="15000"/>
+            </a:schemeClr>
+          </a:lnRef>
+          <a:fillRef idx="1">
+            <a:schemeClr val="accent1"/>
+          </a:fillRef>
+          <a:effectRef idx="0">
+            <a:schemeClr val="accent1"/>
+          </a:effectRef>
+          <a:fontRef idx="minor">
+            <a:schemeClr val="lt1"/>
+          </a:fontRef>
+        </p:style>
+        <p:txBody>
+          <a:bodyPr rtlCol="0" anchor="ctr"/>
+          <a:lstStyle/>
+          <a:p>
+            <a:pPr algn="ctr"/>
+            <a:endParaRPr lang="en-US"/>
+          </a:p>
+        </p:txBody>
+      </p:sp>
+      <p:sp>
+        <p:nvSpPr>
+          <p:cNvPr id="48" name="Round Same-side Corner of Rectangle 47">
+            <a:extLst>
+              <a:ext uri="{FF2B5EF4-FFF2-40B4-BE49-F238E27FC236}">
+                <a16:creationId xmlns:a16="http://schemas.microsoft.com/office/drawing/2014/main" id="{83D36005-6B78-B131-0CEC-39BF694BFE0D}"/>
+              </a:ext>
+            </a:extLst>
+          </p:cNvPr>
+          <p:cNvSpPr/>
+          <p:nvPr/>
+        </p:nvSpPr>
+        <p:spPr>
+          <a:xfrm rot="16200000">
+            <a:off x="7732425" y="1605034"/>
+            <a:ext cx="330357" cy="1221168"/>
+          </a:xfrm>
+          <a:prstGeom prst="round2SameRect">
+            <a:avLst/>
+          </a:prstGeom>
+        </p:spPr>
+        <p:style>
+          <a:lnRef idx="2">
+            <a:schemeClr val="accent1">
+              <a:shade val="15000"/>
+            </a:schemeClr>
+          </a:lnRef>
+          <a:fillRef idx="1">
+            <a:schemeClr val="accent1"/>
+          </a:fillRef>
+          <a:effectRef idx="0">
+            <a:schemeClr val="accent1"/>
+          </a:effectRef>
+          <a:fontRef idx="minor">
+            <a:schemeClr val="lt1"/>
+          </a:fontRef>
+        </p:style>
+        <p:txBody>
+          <a:bodyPr rtlCol="0" anchor="ctr"/>
+          <a:lstStyle/>
+          <a:p>
+            <a:pPr algn="ctr"/>
+            <a:endParaRPr lang="en-US"/>
+          </a:p>
+        </p:txBody>
+      </p:sp>
+      <p:sp>
+        <p:nvSpPr>
+          <p:cNvPr id="51" name="Round Same-side Corner of Rectangle 50">
+            <a:extLst>
+              <a:ext uri="{FF2B5EF4-FFF2-40B4-BE49-F238E27FC236}">
+                <a16:creationId xmlns:a16="http://schemas.microsoft.com/office/drawing/2014/main" id="{26AC66BF-CD8F-7FC0-9451-A2D361DD5489}"/>
+              </a:ext>
+            </a:extLst>
+          </p:cNvPr>
+          <p:cNvSpPr/>
+          <p:nvPr/>
+        </p:nvSpPr>
+        <p:spPr>
+          <a:xfrm rot="16200000">
+            <a:off x="2357473" y="1605034"/>
+            <a:ext cx="330357" cy="1221168"/>
+          </a:xfrm>
+          <a:prstGeom prst="round2SameRect">
+            <a:avLst/>
+          </a:prstGeom>
+        </p:spPr>
+        <p:style>
+          <a:lnRef idx="2">
+            <a:schemeClr val="accent1">
+              <a:shade val="15000"/>
+            </a:schemeClr>
+          </a:lnRef>
+          <a:fillRef idx="1">
+            <a:schemeClr val="accent1"/>
+          </a:fillRef>
+          <a:effectRef idx="0">
+            <a:schemeClr val="accent1"/>
+          </a:effectRef>
+          <a:fontRef idx="minor">
+            <a:schemeClr val="lt1"/>
+          </a:fontRef>
+        </p:style>
+        <p:txBody>
+          <a:bodyPr rtlCol="0" anchor="ctr"/>
+          <a:lstStyle/>
+          <a:p>
+            <a:pPr algn="ctr"/>
+            <a:endParaRPr lang="en-US"/>
+          </a:p>
+        </p:txBody>
+      </p:sp>
+      <p:grpSp>
+        <p:nvGrpSpPr>
+          <p:cNvPr id="52" name="Group 51">
+            <a:extLst>
+              <a:ext uri="{FF2B5EF4-FFF2-40B4-BE49-F238E27FC236}">
+                <a16:creationId xmlns:a16="http://schemas.microsoft.com/office/drawing/2014/main" id="{DD6EA3AC-053F-A400-F878-F0D5828F096F}"/>
+              </a:ext>
+            </a:extLst>
+          </p:cNvPr>
+          <p:cNvGrpSpPr/>
+          <p:nvPr/>
+        </p:nvGrpSpPr>
+        <p:grpSpPr>
+          <a:xfrm>
+            <a:off x="1332886" y="2469606"/>
+            <a:ext cx="8683265" cy="616257"/>
+            <a:chOff x="1252544" y="1108371"/>
+            <a:chExt cx="8683265" cy="616257"/>
+          </a:xfrm>
+        </p:grpSpPr>
+        <p:cxnSp>
+          <p:nvCxnSpPr>
+            <p:cNvPr id="53" name="Straight Connector 52">
+              <a:extLst>
+                <a:ext uri="{FF2B5EF4-FFF2-40B4-BE49-F238E27FC236}">
+                  <a16:creationId xmlns:a16="http://schemas.microsoft.com/office/drawing/2014/main" id="{1CA0E546-5DEE-B98D-C307-8581486AA07A}"/>
+                </a:ext>
+              </a:extLst>
+            </p:cNvPr>
+            <p:cNvCxnSpPr>
+              <a:cxnSpLocks/>
+            </p:cNvCxnSpPr>
+            <p:nvPr/>
+          </p:nvCxnSpPr>
+          <p:spPr>
+            <a:xfrm>
+              <a:off x="1342663" y="1724628"/>
+              <a:ext cx="8426669" cy="0"/>
+            </a:xfrm>
+            <a:prstGeom prst="line">
+              <a:avLst/>
+            </a:prstGeom>
+            <a:ln w="38100"/>
+          </p:spPr>
+          <p:style>
+            <a:lnRef idx="1">
+              <a:schemeClr val="accent1"/>
+            </a:lnRef>
+            <a:fillRef idx="0">
+              <a:schemeClr val="accent1"/>
+            </a:fillRef>
+            <a:effectRef idx="0">
+              <a:schemeClr val="accent1"/>
+            </a:effectRef>
+            <a:fontRef idx="minor">
+              <a:schemeClr val="tx1"/>
+            </a:fontRef>
+          </p:style>
+        </p:cxnSp>
+        <p:cxnSp>
+          <p:nvCxnSpPr>
+            <p:cNvPr id="54" name="Straight Connector 53">
+              <a:extLst>
+                <a:ext uri="{FF2B5EF4-FFF2-40B4-BE49-F238E27FC236}">
+                  <a16:creationId xmlns:a16="http://schemas.microsoft.com/office/drawing/2014/main" id="{16755D2B-54EF-5ED9-2566-93D012B083EE}"/>
+                </a:ext>
+              </a:extLst>
+            </p:cNvPr>
+            <p:cNvCxnSpPr>
+              <a:cxnSpLocks/>
+            </p:cNvCxnSpPr>
+            <p:nvPr/>
+          </p:nvCxnSpPr>
+          <p:spPr>
+            <a:xfrm flipV="1">
+              <a:off x="1495063" y="1451241"/>
+              <a:ext cx="0" cy="273387"/>
+            </a:xfrm>
+            <a:prstGeom prst="line">
+              <a:avLst/>
+            </a:prstGeom>
+            <a:ln w="38100"/>
+          </p:spPr>
+          <p:style>
+            <a:lnRef idx="1">
+              <a:schemeClr val="accent1"/>
+            </a:lnRef>
+            <a:fillRef idx="0">
+              <a:schemeClr val="accent1"/>
+            </a:fillRef>
+            <a:effectRef idx="0">
+              <a:schemeClr val="accent1"/>
+            </a:effectRef>
+            <a:fontRef idx="minor">
+              <a:schemeClr val="tx1"/>
+            </a:fontRef>
+          </p:style>
+        </p:cxnSp>
+        <p:cxnSp>
+          <p:nvCxnSpPr>
+            <p:cNvPr id="55" name="Straight Connector 54">
+              <a:extLst>
+                <a:ext uri="{FF2B5EF4-FFF2-40B4-BE49-F238E27FC236}">
+                  <a16:creationId xmlns:a16="http://schemas.microsoft.com/office/drawing/2014/main" id="{3ADC7201-870D-7513-EDDE-02408E299775}"/>
+                </a:ext>
+              </a:extLst>
+            </p:cNvPr>
+            <p:cNvCxnSpPr>
+              <a:cxnSpLocks/>
+            </p:cNvCxnSpPr>
+            <p:nvPr/>
+          </p:nvCxnSpPr>
+          <p:spPr>
+            <a:xfrm flipV="1">
+              <a:off x="2850932" y="1451241"/>
+              <a:ext cx="0" cy="273387"/>
+            </a:xfrm>
+            <a:prstGeom prst="line">
+              <a:avLst/>
+            </a:prstGeom>
+            <a:ln w="38100"/>
+          </p:spPr>
+          <p:style>
+            <a:lnRef idx="1">
+              <a:schemeClr val="accent1"/>
+            </a:lnRef>
+            <a:fillRef idx="0">
+              <a:schemeClr val="accent1"/>
+            </a:fillRef>
+            <a:effectRef idx="0">
+              <a:schemeClr val="accent1"/>
+            </a:effectRef>
+            <a:fontRef idx="minor">
+              <a:schemeClr val="tx1"/>
+            </a:fontRef>
+          </p:style>
+        </p:cxnSp>
+        <p:cxnSp>
+          <p:nvCxnSpPr>
+            <p:cNvPr id="56" name="Straight Connector 55">
+              <a:extLst>
+                <a:ext uri="{FF2B5EF4-FFF2-40B4-BE49-F238E27FC236}">
+                  <a16:creationId xmlns:a16="http://schemas.microsoft.com/office/drawing/2014/main" id="{AC74132D-ECC4-15F7-C7C6-E4DE8B44E79E}"/>
+                </a:ext>
+              </a:extLst>
+            </p:cNvPr>
+            <p:cNvCxnSpPr>
+              <a:cxnSpLocks/>
+            </p:cNvCxnSpPr>
+            <p:nvPr/>
+          </p:nvCxnSpPr>
+          <p:spPr>
+            <a:xfrm flipV="1">
+              <a:off x="4206801" y="1451241"/>
+              <a:ext cx="0" cy="273387"/>
+            </a:xfrm>
+            <a:prstGeom prst="line">
+              <a:avLst/>
+            </a:prstGeom>
+            <a:ln w="38100"/>
+          </p:spPr>
+          <p:style>
+            <a:lnRef idx="1">
+              <a:schemeClr val="accent1"/>
+            </a:lnRef>
+            <a:fillRef idx="0">
+              <a:schemeClr val="accent1"/>
+            </a:fillRef>
+            <a:effectRef idx="0">
+              <a:schemeClr val="accent1"/>
+            </a:effectRef>
+            <a:fontRef idx="minor">
+              <a:schemeClr val="tx1"/>
+            </a:fontRef>
+          </p:style>
+        </p:cxnSp>
+        <p:cxnSp>
+          <p:nvCxnSpPr>
+            <p:cNvPr id="57" name="Straight Connector 56">
+              <a:extLst>
+                <a:ext uri="{FF2B5EF4-FFF2-40B4-BE49-F238E27FC236}">
+                  <a16:creationId xmlns:a16="http://schemas.microsoft.com/office/drawing/2014/main" id="{D2E5F409-C7B3-14E0-E9F6-37E6B7D70935}"/>
+                </a:ext>
+              </a:extLst>
+            </p:cNvPr>
+            <p:cNvCxnSpPr>
+              <a:cxnSpLocks/>
+            </p:cNvCxnSpPr>
+            <p:nvPr/>
+          </p:nvCxnSpPr>
+          <p:spPr>
+            <a:xfrm flipV="1">
+              <a:off x="5562670" y="1451241"/>
+              <a:ext cx="0" cy="273387"/>
+            </a:xfrm>
+            <a:prstGeom prst="line">
+              <a:avLst/>
+            </a:prstGeom>
+            <a:ln w="38100"/>
+          </p:spPr>
+          <p:style>
+            <a:lnRef idx="1">
+              <a:schemeClr val="accent1"/>
+            </a:lnRef>
+            <a:fillRef idx="0">
+              <a:schemeClr val="accent1"/>
+            </a:fillRef>
+            <a:effectRef idx="0">
+              <a:schemeClr val="accent1"/>
+            </a:effectRef>
+            <a:fontRef idx="minor">
+              <a:schemeClr val="tx1"/>
+            </a:fontRef>
+          </p:style>
+        </p:cxnSp>
+        <p:cxnSp>
+          <p:nvCxnSpPr>
+            <p:cNvPr id="58" name="Straight Connector 57">
+              <a:extLst>
+                <a:ext uri="{FF2B5EF4-FFF2-40B4-BE49-F238E27FC236}">
+                  <a16:creationId xmlns:a16="http://schemas.microsoft.com/office/drawing/2014/main" id="{52842959-1BB4-A852-BEF8-6A8490E15095}"/>
+                </a:ext>
+              </a:extLst>
+            </p:cNvPr>
+            <p:cNvCxnSpPr>
+              <a:cxnSpLocks/>
+            </p:cNvCxnSpPr>
+            <p:nvPr/>
+          </p:nvCxnSpPr>
+          <p:spPr>
+            <a:xfrm flipV="1">
+              <a:off x="6918539" y="1451241"/>
+              <a:ext cx="0" cy="273387"/>
+            </a:xfrm>
+            <a:prstGeom prst="line">
+              <a:avLst/>
+            </a:prstGeom>
+            <a:ln w="38100"/>
+          </p:spPr>
+          <p:style>
+            <a:lnRef idx="1">
+              <a:schemeClr val="accent1"/>
+            </a:lnRef>
+            <a:fillRef idx="0">
+              <a:schemeClr val="accent1"/>
+            </a:fillRef>
+            <a:effectRef idx="0">
+              <a:schemeClr val="accent1"/>
+            </a:effectRef>
+            <a:fontRef idx="minor">
+              <a:schemeClr val="tx1"/>
+            </a:fontRef>
+          </p:style>
+        </p:cxnSp>
+        <p:cxnSp>
+          <p:nvCxnSpPr>
+            <p:cNvPr id="59" name="Straight Connector 58">
+              <a:extLst>
+                <a:ext uri="{FF2B5EF4-FFF2-40B4-BE49-F238E27FC236}">
+                  <a16:creationId xmlns:a16="http://schemas.microsoft.com/office/drawing/2014/main" id="{58B837E5-F0DB-3514-CF74-C642C9D9AB28}"/>
+                </a:ext>
+              </a:extLst>
+            </p:cNvPr>
+            <p:cNvCxnSpPr>
+              <a:cxnSpLocks/>
+            </p:cNvCxnSpPr>
+            <p:nvPr/>
+          </p:nvCxnSpPr>
+          <p:spPr>
+            <a:xfrm flipV="1">
+              <a:off x="8274408" y="1451241"/>
+              <a:ext cx="0" cy="273387"/>
+            </a:xfrm>
+            <a:prstGeom prst="line">
+              <a:avLst/>
+            </a:prstGeom>
+            <a:ln w="38100"/>
+          </p:spPr>
+          <p:style>
+            <a:lnRef idx="1">
+              <a:schemeClr val="accent1"/>
+            </a:lnRef>
+            <a:fillRef idx="0">
+              <a:schemeClr val="accent1"/>
+            </a:fillRef>
+            <a:effectRef idx="0">
+              <a:schemeClr val="accent1"/>
+            </a:effectRef>
+            <a:fontRef idx="minor">
+              <a:schemeClr val="tx1"/>
+            </a:fontRef>
+          </p:style>
+        </p:cxnSp>
+        <p:cxnSp>
+          <p:nvCxnSpPr>
+            <p:cNvPr id="60" name="Straight Connector 59">
+              <a:extLst>
+                <a:ext uri="{FF2B5EF4-FFF2-40B4-BE49-F238E27FC236}">
+                  <a16:creationId xmlns:a16="http://schemas.microsoft.com/office/drawing/2014/main" id="{4D33AEBB-F052-C361-3CFD-71D5C0E99CFE}"/>
+                </a:ext>
+              </a:extLst>
+            </p:cNvPr>
+            <p:cNvCxnSpPr>
+              <a:cxnSpLocks/>
+            </p:cNvCxnSpPr>
+            <p:nvPr/>
+          </p:nvCxnSpPr>
+          <p:spPr>
+            <a:xfrm flipV="1">
+              <a:off x="9630277" y="1451241"/>
+              <a:ext cx="0" cy="273387"/>
+            </a:xfrm>
+            <a:prstGeom prst="line">
+              <a:avLst/>
+            </a:prstGeom>
+            <a:ln w="38100"/>
+          </p:spPr>
+          <p:style>
+            <a:lnRef idx="1">
+              <a:schemeClr val="accent1"/>
+            </a:lnRef>
+            <a:fillRef idx="0">
+              <a:schemeClr val="accent1"/>
+            </a:fillRef>
+            <a:effectRef idx="0">
+              <a:schemeClr val="accent1"/>
+            </a:effectRef>
+            <a:fontRef idx="minor">
+              <a:schemeClr val="tx1"/>
+            </a:fontRef>
+          </p:style>
+        </p:cxnSp>
+        <p:sp>
+          <p:nvSpPr>
+            <p:cNvPr id="61" name="TextBox 60">
+              <a:extLst>
+                <a:ext uri="{FF2B5EF4-FFF2-40B4-BE49-F238E27FC236}">
+                  <a16:creationId xmlns:a16="http://schemas.microsoft.com/office/drawing/2014/main" id="{A74A1844-798C-68B8-F499-1C304DBA601D}"/>
+                </a:ext>
+              </a:extLst>
+            </p:cNvPr>
+            <p:cNvSpPr txBox="1"/>
+            <p:nvPr/>
+          </p:nvSpPr>
+          <p:spPr>
+            <a:xfrm>
+              <a:off x="5431865" y="1108371"/>
+              <a:ext cx="261610" cy="369332"/>
+            </a:xfrm>
+            <a:prstGeom prst="rect">
+              <a:avLst/>
+            </a:prstGeom>
+            <a:noFill/>
+          </p:spPr>
+          <p:txBody>
+            <a:bodyPr wrap="none" rtlCol="0">
+              <a:spAutoFit/>
+            </a:bodyPr>
+            <a:lstStyle/>
+            <a:p>
+              <a:r>
+                <a:rPr lang="en-US" dirty="0"/>
+                <a:t>t</a:t>
+              </a:r>
+            </a:p>
+          </p:txBody>
+        </p:sp>
+        <p:sp>
+          <p:nvSpPr>
+            <p:cNvPr id="62" name="TextBox 61">
+              <a:extLst>
+                <a:ext uri="{FF2B5EF4-FFF2-40B4-BE49-F238E27FC236}">
+                  <a16:creationId xmlns:a16="http://schemas.microsoft.com/office/drawing/2014/main" id="{61576716-A93E-938D-BD28-026054AC87A7}"/>
+                </a:ext>
+              </a:extLst>
+            </p:cNvPr>
+            <p:cNvSpPr txBox="1"/>
+            <p:nvPr/>
+          </p:nvSpPr>
+          <p:spPr>
+            <a:xfrm>
+              <a:off x="6671516" y="1108371"/>
+              <a:ext cx="494046" cy="369332"/>
+            </a:xfrm>
+            <a:prstGeom prst="rect">
+              <a:avLst/>
+            </a:prstGeom>
+            <a:noFill/>
+          </p:spPr>
+          <p:txBody>
+            <a:bodyPr wrap="none" rtlCol="0">
+              <a:spAutoFit/>
+            </a:bodyPr>
+            <a:lstStyle/>
+            <a:p>
+              <a:r>
+                <a:rPr lang="en-US" dirty="0"/>
+                <a:t>t+6</a:t>
+              </a:r>
+            </a:p>
+          </p:txBody>
+        </p:sp>
+        <p:sp>
+          <p:nvSpPr>
+            <p:cNvPr id="63" name="TextBox 62">
+              <a:extLst>
+                <a:ext uri="{FF2B5EF4-FFF2-40B4-BE49-F238E27FC236}">
+                  <a16:creationId xmlns:a16="http://schemas.microsoft.com/office/drawing/2014/main" id="{35292197-8363-30A0-128D-DBB418585D28}"/>
+                </a:ext>
+              </a:extLst>
+            </p:cNvPr>
+            <p:cNvSpPr txBox="1"/>
+            <p:nvPr/>
+          </p:nvSpPr>
+          <p:spPr>
+            <a:xfrm>
+              <a:off x="7968875" y="1108371"/>
+              <a:ext cx="611065" cy="369332"/>
+            </a:xfrm>
+            <a:prstGeom prst="rect">
+              <a:avLst/>
+            </a:prstGeom>
+            <a:noFill/>
+          </p:spPr>
+          <p:txBody>
+            <a:bodyPr wrap="none" rtlCol="0">
+              <a:spAutoFit/>
+            </a:bodyPr>
+            <a:lstStyle/>
+            <a:p>
+              <a:r>
+                <a:rPr lang="en-US" dirty="0"/>
+                <a:t>t+12</a:t>
+              </a:r>
+            </a:p>
+          </p:txBody>
+        </p:sp>
+        <p:sp>
+          <p:nvSpPr>
+            <p:cNvPr id="64" name="TextBox 63">
+              <a:extLst>
+                <a:ext uri="{FF2B5EF4-FFF2-40B4-BE49-F238E27FC236}">
+                  <a16:creationId xmlns:a16="http://schemas.microsoft.com/office/drawing/2014/main" id="{FBF84F6A-B7A6-3BE1-C027-F67EFCBD8B96}"/>
+                </a:ext>
+              </a:extLst>
+            </p:cNvPr>
+            <p:cNvSpPr txBox="1"/>
+            <p:nvPr/>
+          </p:nvSpPr>
+          <p:spPr>
+            <a:xfrm>
+              <a:off x="9324744" y="1108371"/>
+              <a:ext cx="611065" cy="369332"/>
+            </a:xfrm>
+            <a:prstGeom prst="rect">
+              <a:avLst/>
+            </a:prstGeom>
+            <a:noFill/>
+          </p:spPr>
+          <p:txBody>
+            <a:bodyPr wrap="none" rtlCol="0">
+              <a:spAutoFit/>
+            </a:bodyPr>
+            <a:lstStyle/>
+            <a:p>
+              <a:r>
+                <a:rPr lang="en-US" dirty="0"/>
+                <a:t>t+18</a:t>
+              </a:r>
+            </a:p>
+          </p:txBody>
+        </p:sp>
+        <p:sp>
+          <p:nvSpPr>
+            <p:cNvPr id="65" name="TextBox 64">
+              <a:extLst>
+                <a:ext uri="{FF2B5EF4-FFF2-40B4-BE49-F238E27FC236}">
+                  <a16:creationId xmlns:a16="http://schemas.microsoft.com/office/drawing/2014/main" id="{231D8C07-3ABD-D4CA-D275-A34BDFCC39DE}"/>
+                </a:ext>
+              </a:extLst>
+            </p:cNvPr>
+            <p:cNvSpPr txBox="1"/>
+            <p:nvPr/>
+          </p:nvSpPr>
+          <p:spPr>
+            <a:xfrm>
+              <a:off x="3959778" y="1108371"/>
+              <a:ext cx="442044" cy="369332"/>
+            </a:xfrm>
+            <a:prstGeom prst="rect">
+              <a:avLst/>
+            </a:prstGeom>
+            <a:noFill/>
+          </p:spPr>
+          <p:txBody>
+            <a:bodyPr wrap="none" rtlCol="0">
+              <a:spAutoFit/>
+            </a:bodyPr>
+            <a:lstStyle/>
+            <a:p>
+              <a:r>
+                <a:rPr lang="en-US" dirty="0"/>
+                <a:t>t-6</a:t>
+              </a:r>
+            </a:p>
+          </p:txBody>
+        </p:sp>
+        <p:sp>
+          <p:nvSpPr>
+            <p:cNvPr id="66" name="TextBox 65">
+              <a:extLst>
+                <a:ext uri="{FF2B5EF4-FFF2-40B4-BE49-F238E27FC236}">
+                  <a16:creationId xmlns:a16="http://schemas.microsoft.com/office/drawing/2014/main" id="{D5A92968-DE9C-3DED-020B-F4BD2460C525}"/>
+                </a:ext>
+              </a:extLst>
+            </p:cNvPr>
+            <p:cNvSpPr txBox="1"/>
+            <p:nvPr/>
+          </p:nvSpPr>
+          <p:spPr>
+            <a:xfrm>
+              <a:off x="2606161" y="1108371"/>
+              <a:ext cx="559064" cy="369332"/>
+            </a:xfrm>
+            <a:prstGeom prst="rect">
+              <a:avLst/>
+            </a:prstGeom>
+            <a:noFill/>
+          </p:spPr>
+          <p:txBody>
+            <a:bodyPr wrap="none" rtlCol="0">
+              <a:spAutoFit/>
+            </a:bodyPr>
+            <a:lstStyle/>
+            <a:p>
+              <a:r>
+                <a:rPr lang="en-US" dirty="0"/>
+                <a:t>t-12</a:t>
+              </a:r>
+            </a:p>
+          </p:txBody>
+        </p:sp>
+        <p:sp>
+          <p:nvSpPr>
+            <p:cNvPr id="67" name="TextBox 66">
+              <a:extLst>
+                <a:ext uri="{FF2B5EF4-FFF2-40B4-BE49-F238E27FC236}">
+                  <a16:creationId xmlns:a16="http://schemas.microsoft.com/office/drawing/2014/main" id="{095EF3B2-D4FC-71F9-F295-03EDFFFACF1B}"/>
+                </a:ext>
+              </a:extLst>
+            </p:cNvPr>
+            <p:cNvSpPr txBox="1"/>
+            <p:nvPr/>
+          </p:nvSpPr>
+          <p:spPr>
+            <a:xfrm>
+              <a:off x="1252544" y="1108371"/>
+              <a:ext cx="559064" cy="369332"/>
+            </a:xfrm>
+            <a:prstGeom prst="rect">
+              <a:avLst/>
+            </a:prstGeom>
+            <a:noFill/>
+          </p:spPr>
+          <p:txBody>
+            <a:bodyPr wrap="none" rtlCol="0">
+              <a:spAutoFit/>
+            </a:bodyPr>
+            <a:lstStyle/>
+            <a:p>
+              <a:r>
+                <a:rPr lang="en-US" dirty="0"/>
+                <a:t>t-18</a:t>
+              </a:r>
+            </a:p>
+          </p:txBody>
+        </p:sp>
+      </p:grpSp>
+      <p:sp>
+        <p:nvSpPr>
+          <p:cNvPr id="73" name="Round Same-side Corner of Rectangle 72">
+            <a:extLst>
+              <a:ext uri="{FF2B5EF4-FFF2-40B4-BE49-F238E27FC236}">
+                <a16:creationId xmlns:a16="http://schemas.microsoft.com/office/drawing/2014/main" id="{F84CF278-2DCB-B7F6-A076-4A2666498118}"/>
+              </a:ext>
+            </a:extLst>
+          </p:cNvPr>
+          <p:cNvSpPr/>
+          <p:nvPr/>
+        </p:nvSpPr>
+        <p:spPr>
+          <a:xfrm rot="16200000">
+            <a:off x="2087037" y="2636156"/>
+            <a:ext cx="330357" cy="1355868"/>
+          </a:xfrm>
+          <a:prstGeom prst="round2SameRect">
+            <a:avLst/>
+          </a:prstGeom>
+        </p:spPr>
+        <p:style>
+          <a:lnRef idx="2">
+            <a:schemeClr val="accent1">
+              <a:shade val="15000"/>
+            </a:schemeClr>
+          </a:lnRef>
+          <a:fillRef idx="1">
+            <a:schemeClr val="accent1"/>
+          </a:fillRef>
+          <a:effectRef idx="0">
+            <a:schemeClr val="accent1"/>
+          </a:effectRef>
+          <a:fontRef idx="minor">
+            <a:schemeClr val="lt1"/>
+          </a:fontRef>
+        </p:style>
+        <p:txBody>
+          <a:bodyPr rtlCol="0" anchor="ctr"/>
+          <a:lstStyle/>
+          <a:p>
+            <a:pPr algn="ctr"/>
+            <a:endParaRPr lang="en-US"/>
+          </a:p>
+        </p:txBody>
+      </p:sp>
+      <p:grpSp>
+        <p:nvGrpSpPr>
+          <p:cNvPr id="74" name="Group 73">
+            <a:extLst>
+              <a:ext uri="{FF2B5EF4-FFF2-40B4-BE49-F238E27FC236}">
+                <a16:creationId xmlns:a16="http://schemas.microsoft.com/office/drawing/2014/main" id="{ACE85052-972B-F3DE-44B6-3233217B01F3}"/>
+              </a:ext>
+            </a:extLst>
+          </p:cNvPr>
+          <p:cNvGrpSpPr/>
+          <p:nvPr/>
+        </p:nvGrpSpPr>
+        <p:grpSpPr>
+          <a:xfrm>
+            <a:off x="1331761" y="3586776"/>
+            <a:ext cx="8683265" cy="616257"/>
+            <a:chOff x="1252544" y="1108371"/>
+            <a:chExt cx="8683265" cy="616257"/>
+          </a:xfrm>
+        </p:grpSpPr>
+        <p:cxnSp>
+          <p:nvCxnSpPr>
+            <p:cNvPr id="75" name="Straight Connector 74">
+              <a:extLst>
+                <a:ext uri="{FF2B5EF4-FFF2-40B4-BE49-F238E27FC236}">
+                  <a16:creationId xmlns:a16="http://schemas.microsoft.com/office/drawing/2014/main" id="{A674232D-67E8-6178-8029-8D07297A85FF}"/>
+                </a:ext>
+              </a:extLst>
+            </p:cNvPr>
+            <p:cNvCxnSpPr>
+              <a:cxnSpLocks/>
+            </p:cNvCxnSpPr>
+            <p:nvPr/>
+          </p:nvCxnSpPr>
+          <p:spPr>
+            <a:xfrm>
+              <a:off x="1342663" y="1724628"/>
+              <a:ext cx="8426669" cy="0"/>
+            </a:xfrm>
+            <a:prstGeom prst="line">
+              <a:avLst/>
+            </a:prstGeom>
+            <a:ln w="38100"/>
+          </p:spPr>
+          <p:style>
+            <a:lnRef idx="1">
+              <a:schemeClr val="accent1"/>
+            </a:lnRef>
+            <a:fillRef idx="0">
+              <a:schemeClr val="accent1"/>
+            </a:fillRef>
+            <a:effectRef idx="0">
+              <a:schemeClr val="accent1"/>
+            </a:effectRef>
+            <a:fontRef idx="minor">
+              <a:schemeClr val="tx1"/>
+            </a:fontRef>
+          </p:style>
+        </p:cxnSp>
+        <p:cxnSp>
+          <p:nvCxnSpPr>
+            <p:cNvPr id="76" name="Straight Connector 75">
+              <a:extLst>
+                <a:ext uri="{FF2B5EF4-FFF2-40B4-BE49-F238E27FC236}">
+                  <a16:creationId xmlns:a16="http://schemas.microsoft.com/office/drawing/2014/main" id="{4E4B8B5E-48BF-2F48-BC49-A5656835B37C}"/>
+                </a:ext>
+              </a:extLst>
+            </p:cNvPr>
+            <p:cNvCxnSpPr>
+              <a:cxnSpLocks/>
+            </p:cNvCxnSpPr>
+            <p:nvPr/>
+          </p:nvCxnSpPr>
+          <p:spPr>
+            <a:xfrm flipV="1">
+              <a:off x="1495063" y="1451241"/>
+              <a:ext cx="0" cy="273387"/>
+            </a:xfrm>
+            <a:prstGeom prst="line">
+              <a:avLst/>
+            </a:prstGeom>
+            <a:ln w="38100"/>
+          </p:spPr>
+          <p:style>
+            <a:lnRef idx="1">
+              <a:schemeClr val="accent1"/>
+            </a:lnRef>
+            <a:fillRef idx="0">
+              <a:schemeClr val="accent1"/>
+            </a:fillRef>
+            <a:effectRef idx="0">
+              <a:schemeClr val="accent1"/>
+            </a:effectRef>
+            <a:fontRef idx="minor">
+              <a:schemeClr val="tx1"/>
+            </a:fontRef>
+          </p:style>
+        </p:cxnSp>
+        <p:cxnSp>
+          <p:nvCxnSpPr>
+            <p:cNvPr id="77" name="Straight Connector 76">
+              <a:extLst>
+                <a:ext uri="{FF2B5EF4-FFF2-40B4-BE49-F238E27FC236}">
+                  <a16:creationId xmlns:a16="http://schemas.microsoft.com/office/drawing/2014/main" id="{0FECBCAC-3FB3-FAB9-6C3E-C1D59D7475C0}"/>
+                </a:ext>
+              </a:extLst>
+            </p:cNvPr>
+            <p:cNvCxnSpPr>
+              <a:cxnSpLocks/>
+            </p:cNvCxnSpPr>
+            <p:nvPr/>
+          </p:nvCxnSpPr>
+          <p:spPr>
+            <a:xfrm flipV="1">
+              <a:off x="2850932" y="1451241"/>
+              <a:ext cx="0" cy="273387"/>
+            </a:xfrm>
+            <a:prstGeom prst="line">
+              <a:avLst/>
+            </a:prstGeom>
+            <a:ln w="38100"/>
+          </p:spPr>
+          <p:style>
+            <a:lnRef idx="1">
+              <a:schemeClr val="accent1"/>
+            </a:lnRef>
+            <a:fillRef idx="0">
+              <a:schemeClr val="accent1"/>
+            </a:fillRef>
+            <a:effectRef idx="0">
+              <a:schemeClr val="accent1"/>
+            </a:effectRef>
+            <a:fontRef idx="minor">
+              <a:schemeClr val="tx1"/>
+            </a:fontRef>
+          </p:style>
+        </p:cxnSp>
+        <p:cxnSp>
+          <p:nvCxnSpPr>
+            <p:cNvPr id="78" name="Straight Connector 77">
+              <a:extLst>
+                <a:ext uri="{FF2B5EF4-FFF2-40B4-BE49-F238E27FC236}">
+                  <a16:creationId xmlns:a16="http://schemas.microsoft.com/office/drawing/2014/main" id="{724642BF-9D02-A7C1-D7A2-13BB03E287BF}"/>
+                </a:ext>
+              </a:extLst>
+            </p:cNvPr>
+            <p:cNvCxnSpPr>
+              <a:cxnSpLocks/>
+            </p:cNvCxnSpPr>
+            <p:nvPr/>
+          </p:nvCxnSpPr>
+          <p:spPr>
+            <a:xfrm flipV="1">
+              <a:off x="4206801" y="1451241"/>
+              <a:ext cx="0" cy="273387"/>
+            </a:xfrm>
+            <a:prstGeom prst="line">
+              <a:avLst/>
+            </a:prstGeom>
+            <a:ln w="38100"/>
+          </p:spPr>
+          <p:style>
+            <a:lnRef idx="1">
+              <a:schemeClr val="accent1"/>
+            </a:lnRef>
+            <a:fillRef idx="0">
+              <a:schemeClr val="accent1"/>
+            </a:fillRef>
+            <a:effectRef idx="0">
+              <a:schemeClr val="accent1"/>
+            </a:effectRef>
+            <a:fontRef idx="minor">
+              <a:schemeClr val="tx1"/>
+            </a:fontRef>
+          </p:style>
+        </p:cxnSp>
+        <p:cxnSp>
+          <p:nvCxnSpPr>
+            <p:cNvPr id="79" name="Straight Connector 78">
+              <a:extLst>
+                <a:ext uri="{FF2B5EF4-FFF2-40B4-BE49-F238E27FC236}">
+                  <a16:creationId xmlns:a16="http://schemas.microsoft.com/office/drawing/2014/main" id="{33648F75-0900-81B3-5AAC-6A3ECF9240D5}"/>
+                </a:ext>
+              </a:extLst>
+            </p:cNvPr>
+            <p:cNvCxnSpPr>
+              <a:cxnSpLocks/>
+            </p:cNvCxnSpPr>
+            <p:nvPr/>
+          </p:nvCxnSpPr>
+          <p:spPr>
+            <a:xfrm flipV="1">
+              <a:off x="5562670" y="1451241"/>
+              <a:ext cx="0" cy="273387"/>
+            </a:xfrm>
+            <a:prstGeom prst="line">
+              <a:avLst/>
+            </a:prstGeom>
+            <a:ln w="38100"/>
+          </p:spPr>
+          <p:style>
+            <a:lnRef idx="1">
+              <a:schemeClr val="accent1"/>
+            </a:lnRef>
+            <a:fillRef idx="0">
+              <a:schemeClr val="accent1"/>
+            </a:fillRef>
+            <a:effectRef idx="0">
+              <a:schemeClr val="accent1"/>
+            </a:effectRef>
+            <a:fontRef idx="minor">
+              <a:schemeClr val="tx1"/>
+            </a:fontRef>
+          </p:style>
+        </p:cxnSp>
+        <p:cxnSp>
+          <p:nvCxnSpPr>
+            <p:cNvPr id="80" name="Straight Connector 79">
+              <a:extLst>
+                <a:ext uri="{FF2B5EF4-FFF2-40B4-BE49-F238E27FC236}">
+                  <a16:creationId xmlns:a16="http://schemas.microsoft.com/office/drawing/2014/main" id="{8ABA72D8-EBC9-B331-9070-857B8B442225}"/>
+                </a:ext>
+              </a:extLst>
+            </p:cNvPr>
+            <p:cNvCxnSpPr>
+              <a:cxnSpLocks/>
+            </p:cNvCxnSpPr>
+            <p:nvPr/>
+          </p:nvCxnSpPr>
+          <p:spPr>
+            <a:xfrm flipV="1">
+              <a:off x="6918539" y="1451241"/>
+              <a:ext cx="0" cy="273387"/>
+            </a:xfrm>
+            <a:prstGeom prst="line">
+              <a:avLst/>
+            </a:prstGeom>
+            <a:ln w="38100"/>
+          </p:spPr>
+          <p:style>
+            <a:lnRef idx="1">
+              <a:schemeClr val="accent1"/>
+            </a:lnRef>
+            <a:fillRef idx="0">
+              <a:schemeClr val="accent1"/>
+            </a:fillRef>
+            <a:effectRef idx="0">
+              <a:schemeClr val="accent1"/>
+            </a:effectRef>
+            <a:fontRef idx="minor">
+              <a:schemeClr val="tx1"/>
+            </a:fontRef>
+          </p:style>
+        </p:cxnSp>
+        <p:cxnSp>
+          <p:nvCxnSpPr>
+            <p:cNvPr id="81" name="Straight Connector 80">
+              <a:extLst>
+                <a:ext uri="{FF2B5EF4-FFF2-40B4-BE49-F238E27FC236}">
+                  <a16:creationId xmlns:a16="http://schemas.microsoft.com/office/drawing/2014/main" id="{F1D88516-7928-5EFB-F177-A69F1869679D}"/>
+                </a:ext>
+              </a:extLst>
+            </p:cNvPr>
+            <p:cNvCxnSpPr>
+              <a:cxnSpLocks/>
+            </p:cNvCxnSpPr>
+            <p:nvPr/>
+          </p:nvCxnSpPr>
+          <p:spPr>
+            <a:xfrm flipV="1">
+              <a:off x="8274408" y="1451241"/>
+              <a:ext cx="0" cy="273387"/>
+            </a:xfrm>
+            <a:prstGeom prst="line">
+              <a:avLst/>
+            </a:prstGeom>
+            <a:ln w="38100"/>
+          </p:spPr>
+          <p:style>
+            <a:lnRef idx="1">
+              <a:schemeClr val="accent1"/>
+            </a:lnRef>
+            <a:fillRef idx="0">
+              <a:schemeClr val="accent1"/>
+            </a:fillRef>
+            <a:effectRef idx="0">
+              <a:schemeClr val="accent1"/>
+            </a:effectRef>
+            <a:fontRef idx="minor">
+              <a:schemeClr val="tx1"/>
+            </a:fontRef>
+          </p:style>
+        </p:cxnSp>
+        <p:cxnSp>
+          <p:nvCxnSpPr>
+            <p:cNvPr id="82" name="Straight Connector 81">
+              <a:extLst>
+                <a:ext uri="{FF2B5EF4-FFF2-40B4-BE49-F238E27FC236}">
+                  <a16:creationId xmlns:a16="http://schemas.microsoft.com/office/drawing/2014/main" id="{7BA8568E-A448-FF29-6D2E-ED26C1BB1922}"/>
+                </a:ext>
+              </a:extLst>
+            </p:cNvPr>
+            <p:cNvCxnSpPr>
+              <a:cxnSpLocks/>
+            </p:cNvCxnSpPr>
+            <p:nvPr/>
+          </p:nvCxnSpPr>
+          <p:spPr>
+            <a:xfrm flipV="1">
+              <a:off x="9630277" y="1451241"/>
+              <a:ext cx="0" cy="273387"/>
+            </a:xfrm>
+            <a:prstGeom prst="line">
+              <a:avLst/>
+            </a:prstGeom>
+            <a:ln w="38100"/>
+          </p:spPr>
+          <p:style>
+            <a:lnRef idx="1">
+              <a:schemeClr val="accent1"/>
+            </a:lnRef>
+            <a:fillRef idx="0">
+              <a:schemeClr val="accent1"/>
+            </a:fillRef>
+            <a:effectRef idx="0">
+              <a:schemeClr val="accent1"/>
+            </a:effectRef>
+            <a:fontRef idx="minor">
+              <a:schemeClr val="tx1"/>
+            </a:fontRef>
+          </p:style>
+        </p:cxnSp>
+        <p:sp>
+          <p:nvSpPr>
+            <p:cNvPr id="83" name="TextBox 82">
+              <a:extLst>
+                <a:ext uri="{FF2B5EF4-FFF2-40B4-BE49-F238E27FC236}">
+                  <a16:creationId xmlns:a16="http://schemas.microsoft.com/office/drawing/2014/main" id="{1BAB4461-A162-0AAD-BFF0-1657E000733D}"/>
+                </a:ext>
+              </a:extLst>
+            </p:cNvPr>
+            <p:cNvSpPr txBox="1"/>
+            <p:nvPr/>
+          </p:nvSpPr>
+          <p:spPr>
+            <a:xfrm>
+              <a:off x="5431865" y="1108371"/>
+              <a:ext cx="261610" cy="369332"/>
+            </a:xfrm>
+            <a:prstGeom prst="rect">
+              <a:avLst/>
+            </a:prstGeom>
+            <a:noFill/>
+          </p:spPr>
+          <p:txBody>
+            <a:bodyPr wrap="none" rtlCol="0">
+              <a:spAutoFit/>
+            </a:bodyPr>
+            <a:lstStyle/>
+            <a:p>
+              <a:r>
+                <a:rPr lang="en-US" dirty="0"/>
+                <a:t>t</a:t>
+              </a:r>
+            </a:p>
+          </p:txBody>
+        </p:sp>
+        <p:sp>
+          <p:nvSpPr>
+            <p:cNvPr id="84" name="TextBox 83">
+              <a:extLst>
+                <a:ext uri="{FF2B5EF4-FFF2-40B4-BE49-F238E27FC236}">
+                  <a16:creationId xmlns:a16="http://schemas.microsoft.com/office/drawing/2014/main" id="{61DDBF36-3E52-A859-E190-343165530C00}"/>
+                </a:ext>
+              </a:extLst>
+            </p:cNvPr>
+            <p:cNvSpPr txBox="1"/>
+            <p:nvPr/>
+          </p:nvSpPr>
+          <p:spPr>
+            <a:xfrm>
+              <a:off x="6671516" y="1108371"/>
+              <a:ext cx="494046" cy="369332"/>
+            </a:xfrm>
+            <a:prstGeom prst="rect">
+              <a:avLst/>
+            </a:prstGeom>
+            <a:noFill/>
+          </p:spPr>
+          <p:txBody>
+            <a:bodyPr wrap="none" rtlCol="0">
+              <a:spAutoFit/>
+            </a:bodyPr>
+            <a:lstStyle/>
+            <a:p>
+              <a:r>
+                <a:rPr lang="en-US" dirty="0"/>
+                <a:t>t+6</a:t>
+              </a:r>
+            </a:p>
+          </p:txBody>
+        </p:sp>
+        <p:sp>
+          <p:nvSpPr>
+            <p:cNvPr id="85" name="TextBox 84">
+              <a:extLst>
+                <a:ext uri="{FF2B5EF4-FFF2-40B4-BE49-F238E27FC236}">
+                  <a16:creationId xmlns:a16="http://schemas.microsoft.com/office/drawing/2014/main" id="{57B94B46-9649-FE37-FBA9-8653D7B54B5A}"/>
+                </a:ext>
+              </a:extLst>
+            </p:cNvPr>
+            <p:cNvSpPr txBox="1"/>
+            <p:nvPr/>
+          </p:nvSpPr>
+          <p:spPr>
+            <a:xfrm>
+              <a:off x="7968875" y="1108371"/>
+              <a:ext cx="611065" cy="369332"/>
+            </a:xfrm>
+            <a:prstGeom prst="rect">
+              <a:avLst/>
+            </a:prstGeom>
+            <a:noFill/>
+          </p:spPr>
+          <p:txBody>
+            <a:bodyPr wrap="none" rtlCol="0">
+              <a:spAutoFit/>
+            </a:bodyPr>
+            <a:lstStyle/>
+            <a:p>
+              <a:r>
+                <a:rPr lang="en-US" dirty="0"/>
+                <a:t>t+12</a:t>
+              </a:r>
+            </a:p>
+          </p:txBody>
+        </p:sp>
+        <p:sp>
+          <p:nvSpPr>
+            <p:cNvPr id="86" name="TextBox 85">
+              <a:extLst>
+                <a:ext uri="{FF2B5EF4-FFF2-40B4-BE49-F238E27FC236}">
+                  <a16:creationId xmlns:a16="http://schemas.microsoft.com/office/drawing/2014/main" id="{A8299C57-F81D-28F4-5F77-9D0BBB32282C}"/>
+                </a:ext>
+              </a:extLst>
+            </p:cNvPr>
+            <p:cNvSpPr txBox="1"/>
+            <p:nvPr/>
+          </p:nvSpPr>
+          <p:spPr>
+            <a:xfrm>
+              <a:off x="9324744" y="1108371"/>
+              <a:ext cx="611065" cy="369332"/>
+            </a:xfrm>
+            <a:prstGeom prst="rect">
+              <a:avLst/>
+            </a:prstGeom>
+            <a:noFill/>
+          </p:spPr>
+          <p:txBody>
+            <a:bodyPr wrap="none" rtlCol="0">
+              <a:spAutoFit/>
+            </a:bodyPr>
+            <a:lstStyle/>
+            <a:p>
+              <a:r>
+                <a:rPr lang="en-US" dirty="0"/>
+                <a:t>t+18</a:t>
+              </a:r>
+            </a:p>
+          </p:txBody>
+        </p:sp>
+        <p:sp>
+          <p:nvSpPr>
+            <p:cNvPr id="87" name="TextBox 86">
+              <a:extLst>
+                <a:ext uri="{FF2B5EF4-FFF2-40B4-BE49-F238E27FC236}">
+                  <a16:creationId xmlns:a16="http://schemas.microsoft.com/office/drawing/2014/main" id="{E6DF0CC1-7E49-B3A7-5EF2-4A248EDC1F31}"/>
+                </a:ext>
+              </a:extLst>
+            </p:cNvPr>
+            <p:cNvSpPr txBox="1"/>
+            <p:nvPr/>
+          </p:nvSpPr>
+          <p:spPr>
+            <a:xfrm>
+              <a:off x="3959778" y="1108371"/>
+              <a:ext cx="442044" cy="369332"/>
+            </a:xfrm>
+            <a:prstGeom prst="rect">
+              <a:avLst/>
+            </a:prstGeom>
+            <a:noFill/>
+          </p:spPr>
+          <p:txBody>
+            <a:bodyPr wrap="none" rtlCol="0">
+              <a:spAutoFit/>
+            </a:bodyPr>
+            <a:lstStyle/>
+            <a:p>
+              <a:r>
+                <a:rPr lang="en-US" dirty="0"/>
+                <a:t>t-6</a:t>
+              </a:r>
+            </a:p>
+          </p:txBody>
+        </p:sp>
+        <p:sp>
+          <p:nvSpPr>
+            <p:cNvPr id="88" name="TextBox 87">
+              <a:extLst>
+                <a:ext uri="{FF2B5EF4-FFF2-40B4-BE49-F238E27FC236}">
+                  <a16:creationId xmlns:a16="http://schemas.microsoft.com/office/drawing/2014/main" id="{2914FA15-79C2-5396-0F88-77DA212980A3}"/>
+                </a:ext>
+              </a:extLst>
+            </p:cNvPr>
+            <p:cNvSpPr txBox="1"/>
+            <p:nvPr/>
+          </p:nvSpPr>
+          <p:spPr>
+            <a:xfrm>
+              <a:off x="2606161" y="1108371"/>
+              <a:ext cx="559064" cy="369332"/>
+            </a:xfrm>
+            <a:prstGeom prst="rect">
+              <a:avLst/>
+            </a:prstGeom>
+            <a:noFill/>
+          </p:spPr>
+          <p:txBody>
+            <a:bodyPr wrap="none" rtlCol="0">
+              <a:spAutoFit/>
+            </a:bodyPr>
+            <a:lstStyle/>
+            <a:p>
+              <a:r>
+                <a:rPr lang="en-US" dirty="0"/>
+                <a:t>t-12</a:t>
+              </a:r>
+            </a:p>
+          </p:txBody>
+        </p:sp>
+        <p:sp>
+          <p:nvSpPr>
+            <p:cNvPr id="89" name="TextBox 88">
+              <a:extLst>
+                <a:ext uri="{FF2B5EF4-FFF2-40B4-BE49-F238E27FC236}">
+                  <a16:creationId xmlns:a16="http://schemas.microsoft.com/office/drawing/2014/main" id="{4EC76DC7-DF49-0402-21F1-8B13F6DDF029}"/>
+                </a:ext>
+              </a:extLst>
+            </p:cNvPr>
+            <p:cNvSpPr txBox="1"/>
+            <p:nvPr/>
+          </p:nvSpPr>
+          <p:spPr>
+            <a:xfrm>
+              <a:off x="1252544" y="1108371"/>
+              <a:ext cx="559064" cy="369332"/>
+            </a:xfrm>
+            <a:prstGeom prst="rect">
+              <a:avLst/>
+            </a:prstGeom>
+            <a:noFill/>
+          </p:spPr>
+          <p:txBody>
+            <a:bodyPr wrap="none" rtlCol="0">
+              <a:spAutoFit/>
+            </a:bodyPr>
+            <a:lstStyle/>
+            <a:p>
+              <a:r>
+                <a:rPr lang="en-US" dirty="0"/>
+                <a:t>t-18</a:t>
+              </a:r>
+            </a:p>
+          </p:txBody>
+        </p:sp>
+      </p:grpSp>
+      <p:sp>
+        <p:nvSpPr>
+          <p:cNvPr id="95" name="Round Same-side Corner of Rectangle 94">
+            <a:extLst>
+              <a:ext uri="{FF2B5EF4-FFF2-40B4-BE49-F238E27FC236}">
+                <a16:creationId xmlns:a16="http://schemas.microsoft.com/office/drawing/2014/main" id="{415A2E71-9F74-6EAA-7C83-CB7CCA38E4AA}"/>
+              </a:ext>
+            </a:extLst>
+          </p:cNvPr>
+          <p:cNvSpPr/>
+          <p:nvPr/>
+        </p:nvSpPr>
+        <p:spPr>
+          <a:xfrm rot="16200000">
+            <a:off x="2553639" y="3640958"/>
+            <a:ext cx="330357" cy="1617999"/>
+          </a:xfrm>
+          <a:prstGeom prst="round2SameRect">
+            <a:avLst/>
+          </a:prstGeom>
+        </p:spPr>
+        <p:style>
+          <a:lnRef idx="2">
+            <a:schemeClr val="accent1">
+              <a:shade val="15000"/>
+            </a:schemeClr>
+          </a:lnRef>
+          <a:fillRef idx="1">
+            <a:schemeClr val="accent1"/>
+          </a:fillRef>
+          <a:effectRef idx="0">
+            <a:schemeClr val="accent1"/>
+          </a:effectRef>
+          <a:fontRef idx="minor">
+            <a:schemeClr val="lt1"/>
+          </a:fontRef>
+        </p:style>
+        <p:txBody>
+          <a:bodyPr rtlCol="0" anchor="ctr"/>
+          <a:lstStyle/>
+          <a:p>
+            <a:pPr algn="ctr"/>
+            <a:endParaRPr lang="en-US"/>
+          </a:p>
+        </p:txBody>
+      </p:sp>
+      <p:sp>
+        <p:nvSpPr>
+          <p:cNvPr id="96" name="Round Same-side Corner of Rectangle 95">
+            <a:extLst>
+              <a:ext uri="{FF2B5EF4-FFF2-40B4-BE49-F238E27FC236}">
+                <a16:creationId xmlns:a16="http://schemas.microsoft.com/office/drawing/2014/main" id="{E6B2267F-BFC5-D854-DC6C-F5AC3E3E2BFF}"/>
+              </a:ext>
+            </a:extLst>
+          </p:cNvPr>
+          <p:cNvSpPr/>
+          <p:nvPr/>
+        </p:nvSpPr>
+        <p:spPr>
+          <a:xfrm rot="16200000">
+            <a:off x="3442906" y="2636155"/>
+            <a:ext cx="330357" cy="1355868"/>
+          </a:xfrm>
+          <a:prstGeom prst="round2SameRect">
+            <a:avLst/>
+          </a:prstGeom>
+        </p:spPr>
+        <p:style>
+          <a:lnRef idx="2">
+            <a:schemeClr val="accent1">
+              <a:shade val="15000"/>
+            </a:schemeClr>
+          </a:lnRef>
+          <a:fillRef idx="1">
+            <a:schemeClr val="accent1"/>
+          </a:fillRef>
+          <a:effectRef idx="0">
+            <a:schemeClr val="accent1"/>
+          </a:effectRef>
+          <a:fontRef idx="minor">
+            <a:schemeClr val="lt1"/>
+          </a:fontRef>
+        </p:style>
+        <p:txBody>
+          <a:bodyPr rtlCol="0" anchor="ctr"/>
+          <a:lstStyle/>
+          <a:p>
+            <a:pPr algn="ctr"/>
+            <a:endParaRPr lang="en-US"/>
+          </a:p>
+        </p:txBody>
+      </p:sp>
+      <p:sp>
+        <p:nvSpPr>
+          <p:cNvPr id="97" name="Round Same-side Corner of Rectangle 96">
+            <a:extLst>
+              <a:ext uri="{FF2B5EF4-FFF2-40B4-BE49-F238E27FC236}">
+                <a16:creationId xmlns:a16="http://schemas.microsoft.com/office/drawing/2014/main" id="{1E392A2D-FA28-B747-B85D-B768782A0109}"/>
+              </a:ext>
+            </a:extLst>
+          </p:cNvPr>
+          <p:cNvSpPr/>
+          <p:nvPr/>
+        </p:nvSpPr>
+        <p:spPr>
+          <a:xfrm rot="16200000">
+            <a:off x="4798775" y="2636154"/>
+            <a:ext cx="330357" cy="1355868"/>
+          </a:xfrm>
+          <a:prstGeom prst="round2SameRect">
+            <a:avLst/>
+          </a:prstGeom>
+        </p:spPr>
+        <p:style>
+          <a:lnRef idx="2">
+            <a:schemeClr val="accent1">
+              <a:shade val="15000"/>
+            </a:schemeClr>
+          </a:lnRef>
+          <a:fillRef idx="1">
+            <a:schemeClr val="accent1"/>
+          </a:fillRef>
+          <a:effectRef idx="0">
+            <a:schemeClr val="accent1"/>
+          </a:effectRef>
+          <a:fontRef idx="minor">
+            <a:schemeClr val="lt1"/>
+          </a:fontRef>
+        </p:style>
+        <p:txBody>
+          <a:bodyPr rtlCol="0" anchor="ctr"/>
+          <a:lstStyle/>
+          <a:p>
+            <a:pPr algn="ctr"/>
+            <a:endParaRPr lang="en-US"/>
+          </a:p>
+        </p:txBody>
+      </p:sp>
+      <p:sp>
+        <p:nvSpPr>
+          <p:cNvPr id="98" name="Round Same-side Corner of Rectangle 97">
+            <a:extLst>
+              <a:ext uri="{FF2B5EF4-FFF2-40B4-BE49-F238E27FC236}">
+                <a16:creationId xmlns:a16="http://schemas.microsoft.com/office/drawing/2014/main" id="{8254A363-9EFD-310D-8262-F008911CFB3F}"/>
+              </a:ext>
+            </a:extLst>
+          </p:cNvPr>
+          <p:cNvSpPr/>
+          <p:nvPr/>
+        </p:nvSpPr>
+        <p:spPr>
+          <a:xfrm rot="16200000">
+            <a:off x="6154644" y="2636153"/>
+            <a:ext cx="330357" cy="1355868"/>
+          </a:xfrm>
+          <a:prstGeom prst="round2SameRect">
+            <a:avLst/>
+          </a:prstGeom>
+        </p:spPr>
+        <p:style>
+          <a:lnRef idx="2">
+            <a:schemeClr val="accent1">
+              <a:shade val="15000"/>
+            </a:schemeClr>
+          </a:lnRef>
+          <a:fillRef idx="1">
+            <a:schemeClr val="accent1"/>
+          </a:fillRef>
+          <a:effectRef idx="0">
+            <a:schemeClr val="accent1"/>
+          </a:effectRef>
+          <a:fontRef idx="minor">
+            <a:schemeClr val="lt1"/>
+          </a:fontRef>
+        </p:style>
+        <p:txBody>
+          <a:bodyPr rtlCol="0" anchor="ctr"/>
+          <a:lstStyle/>
+          <a:p>
+            <a:pPr algn="ctr"/>
+            <a:endParaRPr lang="en-US"/>
+          </a:p>
+        </p:txBody>
+      </p:sp>
+      <p:sp>
+        <p:nvSpPr>
+          <p:cNvPr id="99" name="Round Same-side Corner of Rectangle 98">
+            <a:extLst>
+              <a:ext uri="{FF2B5EF4-FFF2-40B4-BE49-F238E27FC236}">
+                <a16:creationId xmlns:a16="http://schemas.microsoft.com/office/drawing/2014/main" id="{1B0E4758-24CF-FBCB-C4EE-F4042A2B092D}"/>
+              </a:ext>
+            </a:extLst>
+          </p:cNvPr>
+          <p:cNvSpPr/>
+          <p:nvPr/>
+        </p:nvSpPr>
+        <p:spPr>
+          <a:xfrm rot="16200000">
+            <a:off x="7510513" y="2636152"/>
+            <a:ext cx="330357" cy="1355868"/>
+          </a:xfrm>
+          <a:prstGeom prst="round2SameRect">
+            <a:avLst/>
+          </a:prstGeom>
+        </p:spPr>
+        <p:style>
+          <a:lnRef idx="2">
+            <a:schemeClr val="accent1">
+              <a:shade val="15000"/>
+            </a:schemeClr>
+          </a:lnRef>
+          <a:fillRef idx="1">
+            <a:schemeClr val="accent1"/>
+          </a:fillRef>
+          <a:effectRef idx="0">
+            <a:schemeClr val="accent1"/>
+          </a:effectRef>
+          <a:fontRef idx="minor">
+            <a:schemeClr val="lt1"/>
+          </a:fontRef>
+        </p:style>
+        <p:txBody>
+          <a:bodyPr rtlCol="0" anchor="ctr"/>
+          <a:lstStyle/>
+          <a:p>
+            <a:pPr algn="ctr"/>
+            <a:endParaRPr lang="en-US"/>
+          </a:p>
+        </p:txBody>
+      </p:sp>
+      <p:sp>
+        <p:nvSpPr>
+          <p:cNvPr id="100" name="Round Same-side Corner of Rectangle 99">
+            <a:extLst>
+              <a:ext uri="{FF2B5EF4-FFF2-40B4-BE49-F238E27FC236}">
+                <a16:creationId xmlns:a16="http://schemas.microsoft.com/office/drawing/2014/main" id="{59F6D4B9-2E39-C886-A52D-A69AF8809DEC}"/>
+              </a:ext>
+            </a:extLst>
+          </p:cNvPr>
+          <p:cNvSpPr/>
+          <p:nvPr/>
+        </p:nvSpPr>
+        <p:spPr>
+          <a:xfrm rot="16200000">
+            <a:off x="8866382" y="2636151"/>
+            <a:ext cx="330357" cy="1355868"/>
+          </a:xfrm>
+          <a:prstGeom prst="round2SameRect">
+            <a:avLst/>
+          </a:prstGeom>
+        </p:spPr>
+        <p:style>
+          <a:lnRef idx="2">
+            <a:schemeClr val="accent1">
+              <a:shade val="15000"/>
+            </a:schemeClr>
+          </a:lnRef>
+          <a:fillRef idx="1">
+            <a:schemeClr val="accent1"/>
+          </a:fillRef>
+          <a:effectRef idx="0">
+            <a:schemeClr val="accent1"/>
+          </a:effectRef>
+          <a:fontRef idx="minor">
+            <a:schemeClr val="lt1"/>
+          </a:fontRef>
+        </p:style>
+        <p:txBody>
+          <a:bodyPr rtlCol="0" anchor="ctr"/>
+          <a:lstStyle/>
+          <a:p>
+            <a:pPr algn="ctr"/>
+            <a:endParaRPr lang="en-US"/>
+          </a:p>
+        </p:txBody>
+      </p:sp>
+      <p:sp>
+        <p:nvSpPr>
+          <p:cNvPr id="101" name="Round Same-side Corner of Rectangle 100">
+            <a:extLst>
+              <a:ext uri="{FF2B5EF4-FFF2-40B4-BE49-F238E27FC236}">
+                <a16:creationId xmlns:a16="http://schemas.microsoft.com/office/drawing/2014/main" id="{7B4D5A46-A3AB-808B-85A4-BBD269982ABB}"/>
+              </a:ext>
+            </a:extLst>
+          </p:cNvPr>
+          <p:cNvSpPr/>
+          <p:nvPr/>
+        </p:nvSpPr>
+        <p:spPr>
+          <a:xfrm rot="16200000">
+            <a:off x="3702335" y="3722698"/>
+            <a:ext cx="330357" cy="1617999"/>
+          </a:xfrm>
+          <a:prstGeom prst="round2SameRect">
+            <a:avLst/>
+          </a:prstGeom>
+        </p:spPr>
+        <p:style>
+          <a:lnRef idx="2">
+            <a:schemeClr val="accent1">
+              <a:shade val="15000"/>
+            </a:schemeClr>
+          </a:lnRef>
+          <a:fillRef idx="1">
+            <a:schemeClr val="accent1"/>
+          </a:fillRef>
+          <a:effectRef idx="0">
+            <a:schemeClr val="accent1"/>
+          </a:effectRef>
+          <a:fontRef idx="minor">
+            <a:schemeClr val="lt1"/>
+          </a:fontRef>
+        </p:style>
+        <p:txBody>
+          <a:bodyPr rtlCol="0" anchor="ctr"/>
+          <a:lstStyle/>
+          <a:p>
+            <a:pPr algn="ctr"/>
+            <a:endParaRPr lang="en-US"/>
+          </a:p>
+        </p:txBody>
+      </p:sp>
+      <p:sp>
+        <p:nvSpPr>
+          <p:cNvPr id="102" name="Round Same-side Corner of Rectangle 101">
+            <a:extLst>
+              <a:ext uri="{FF2B5EF4-FFF2-40B4-BE49-F238E27FC236}">
+                <a16:creationId xmlns:a16="http://schemas.microsoft.com/office/drawing/2014/main" id="{12C13BD0-3D34-72BF-63B9-EC69E95FC246}"/>
+              </a:ext>
+            </a:extLst>
+          </p:cNvPr>
+          <p:cNvSpPr/>
+          <p:nvPr/>
+        </p:nvSpPr>
+        <p:spPr>
+          <a:xfrm rot="16200000">
+            <a:off x="4851031" y="3640956"/>
+            <a:ext cx="330357" cy="1617999"/>
+          </a:xfrm>
+          <a:prstGeom prst="round2SameRect">
+            <a:avLst/>
+          </a:prstGeom>
+        </p:spPr>
+        <p:style>
+          <a:lnRef idx="2">
+            <a:schemeClr val="accent1">
+              <a:shade val="15000"/>
+            </a:schemeClr>
+          </a:lnRef>
+          <a:fillRef idx="1">
+            <a:schemeClr val="accent1"/>
+          </a:fillRef>
+          <a:effectRef idx="0">
+            <a:schemeClr val="accent1"/>
+          </a:effectRef>
+          <a:fontRef idx="minor">
+            <a:schemeClr val="lt1"/>
+          </a:fontRef>
+        </p:style>
+        <p:txBody>
+          <a:bodyPr rtlCol="0" anchor="ctr"/>
+          <a:lstStyle/>
+          <a:p>
+            <a:pPr algn="ctr"/>
+            <a:endParaRPr lang="en-US"/>
+          </a:p>
+        </p:txBody>
+      </p:sp>
+      <p:sp>
+        <p:nvSpPr>
+          <p:cNvPr id="103" name="Round Same-side Corner of Rectangle 102">
+            <a:extLst>
+              <a:ext uri="{FF2B5EF4-FFF2-40B4-BE49-F238E27FC236}">
+                <a16:creationId xmlns:a16="http://schemas.microsoft.com/office/drawing/2014/main" id="{B7D9F51B-F78B-1D52-3841-EFCAE0EBEA91}"/>
+              </a:ext>
+            </a:extLst>
+          </p:cNvPr>
+          <p:cNvSpPr/>
+          <p:nvPr/>
+        </p:nvSpPr>
+        <p:spPr>
+          <a:xfrm rot="16200000">
+            <a:off x="5999727" y="3736903"/>
+            <a:ext cx="330357" cy="1617999"/>
+          </a:xfrm>
+          <a:prstGeom prst="round2SameRect">
+            <a:avLst/>
+          </a:prstGeom>
+        </p:spPr>
+        <p:style>
+          <a:lnRef idx="2">
+            <a:schemeClr val="accent1">
+              <a:shade val="15000"/>
+            </a:schemeClr>
+          </a:lnRef>
+          <a:fillRef idx="1">
+            <a:schemeClr val="accent1"/>
+          </a:fillRef>
+          <a:effectRef idx="0">
+            <a:schemeClr val="accent1"/>
+          </a:effectRef>
+          <a:fontRef idx="minor">
+            <a:schemeClr val="lt1"/>
+          </a:fontRef>
+        </p:style>
+        <p:txBody>
+          <a:bodyPr rtlCol="0" anchor="ctr"/>
+          <a:lstStyle/>
+          <a:p>
+            <a:pPr algn="ctr"/>
+            <a:endParaRPr lang="en-US"/>
+          </a:p>
+        </p:txBody>
+      </p:sp>
+      <p:sp>
+        <p:nvSpPr>
+          <p:cNvPr id="104" name="Round Same-side Corner of Rectangle 103">
+            <a:extLst>
+              <a:ext uri="{FF2B5EF4-FFF2-40B4-BE49-F238E27FC236}">
+                <a16:creationId xmlns:a16="http://schemas.microsoft.com/office/drawing/2014/main" id="{4B061EAE-E681-B4CB-39BB-50154CB37EBE}"/>
+              </a:ext>
+            </a:extLst>
+          </p:cNvPr>
+          <p:cNvSpPr/>
+          <p:nvPr/>
+        </p:nvSpPr>
+        <p:spPr>
+          <a:xfrm rot="16200000">
+            <a:off x="7148423" y="3640954"/>
+            <a:ext cx="330357" cy="1617999"/>
+          </a:xfrm>
+          <a:prstGeom prst="round2SameRect">
+            <a:avLst/>
+          </a:prstGeom>
+        </p:spPr>
+        <p:style>
+          <a:lnRef idx="2">
+            <a:schemeClr val="accent1">
+              <a:shade val="15000"/>
+            </a:schemeClr>
+          </a:lnRef>
+          <a:fillRef idx="1">
+            <a:schemeClr val="accent1"/>
+          </a:fillRef>
+          <a:effectRef idx="0">
+            <a:schemeClr val="accent1"/>
+          </a:effectRef>
+          <a:fontRef idx="minor">
+            <a:schemeClr val="lt1"/>
+          </a:fontRef>
+        </p:style>
+        <p:txBody>
+          <a:bodyPr rtlCol="0" anchor="ctr"/>
+          <a:lstStyle/>
+          <a:p>
+            <a:pPr algn="ctr"/>
+            <a:endParaRPr lang="en-US"/>
+          </a:p>
+        </p:txBody>
+      </p:sp>
+      <p:sp>
+        <p:nvSpPr>
+          <p:cNvPr id="105" name="Round Same-side Corner of Rectangle 104">
+            <a:extLst>
+              <a:ext uri="{FF2B5EF4-FFF2-40B4-BE49-F238E27FC236}">
+                <a16:creationId xmlns:a16="http://schemas.microsoft.com/office/drawing/2014/main" id="{1418E31E-EED6-F2C4-61DA-78DBE60EFF90}"/>
+              </a:ext>
+            </a:extLst>
+          </p:cNvPr>
+          <p:cNvSpPr/>
+          <p:nvPr/>
+        </p:nvSpPr>
+        <p:spPr>
+          <a:xfrm rot="16200000">
+            <a:off x="8292022" y="3736903"/>
+            <a:ext cx="330357" cy="1617999"/>
+          </a:xfrm>
+          <a:prstGeom prst="round2SameRect">
+            <a:avLst/>
+          </a:prstGeom>
+        </p:spPr>
+        <p:style>
+          <a:lnRef idx="2">
+            <a:schemeClr val="accent1">
+              <a:shade val="15000"/>
+            </a:schemeClr>
+          </a:lnRef>
+          <a:fillRef idx="1">
+            <a:schemeClr val="accent1"/>
+          </a:fillRef>
+          <a:effectRef idx="0">
+            <a:schemeClr val="accent1"/>
+          </a:effectRef>
+          <a:fontRef idx="minor">
+            <a:schemeClr val="lt1"/>
+          </a:fontRef>
+        </p:style>
+        <p:txBody>
+          <a:bodyPr rtlCol="0" anchor="ctr"/>
+          <a:lstStyle/>
+          <a:p>
+            <a:pPr algn="ctr"/>
+            <a:endParaRPr lang="en-US"/>
+          </a:p>
+        </p:txBody>
+      </p:sp>
+    </p:spTree>
+    <p:extLst>
+      <p:ext uri="{BB962C8B-B14F-4D97-AF65-F5344CB8AC3E}">
+        <p14:creationId xmlns:p14="http://schemas.microsoft.com/office/powerpoint/2010/main" val="1380980623"/>
+      </p:ext>
+    </p:extLst>
+  </p:cSld>
+  <p:clrMapOvr>
+    <a:masterClrMapping/>
+  </p:clrMapOvr>
+</p:sld>
+</file>
+
+<file path=ppt/slides/slide3.xml><?xml version="1.0" encoding="utf-8"?>
+<p:sld xmlns:a="http://schemas.openxmlformats.org/drawingml/2006/main" xmlns:r="http://schemas.openxmlformats.org/officeDocument/2006/relationships" xmlns:p="http://schemas.openxmlformats.org/presentationml/2006/main">
+  <p:cSld>
+    <p:spTree>
+      <p:nvGrpSpPr>
+        <p:cNvPr id="1" name=""/>
+        <p:cNvGrpSpPr/>
+        <p:nvPr/>
+      </p:nvGrpSpPr>
+      <p:grpSpPr>
+        <a:xfrm>
+          <a:off x="0" y="0"/>
+          <a:ext cx="0" cy="0"/>
+          <a:chOff x="0" y="0"/>
+          <a:chExt cx="0" cy="0"/>
+        </a:xfrm>
+      </p:grpSpPr>
       <p:graphicFrame>
         <p:nvGraphicFramePr>
           <p:cNvPr id="2" name="Table 1">
@@ -7950,7 +11026,7 @@
 </p:sld>
 </file>
 
-<file path=ppt/slides/slide3.xml><?xml version="1.0" encoding="utf-8"?>
+<file path=ppt/slides/slide4.xml><?xml version="1.0" encoding="utf-8"?>
 <p:sld xmlns:a="http://schemas.openxmlformats.org/drawingml/2006/main" xmlns:r="http://schemas.openxmlformats.org/officeDocument/2006/relationships" xmlns:p="http://schemas.openxmlformats.org/presentationml/2006/main">
   <p:cSld>
     <p:spTree>
@@ -9684,7 +12760,7 @@
 </p:sld>
 </file>
 
-<file path=ppt/slides/slide4.xml><?xml version="1.0" encoding="utf-8"?>
+<file path=ppt/slides/slide5.xml><?xml version="1.0" encoding="utf-8"?>
 <p:sld xmlns:a="http://schemas.openxmlformats.org/drawingml/2006/main" xmlns:r="http://schemas.openxmlformats.org/officeDocument/2006/relationships" xmlns:p="http://schemas.openxmlformats.org/presentationml/2006/main">
   <p:cSld>
     <p:spTree>
@@ -10056,7 +13132,7 @@
 </p:sld>
 </file>
 
-<file path=ppt/slides/slide5.xml><?xml version="1.0" encoding="utf-8"?>
+<file path=ppt/slides/slide6.xml><?xml version="1.0" encoding="utf-8"?>
 <p:sld xmlns:a="http://schemas.openxmlformats.org/drawingml/2006/main" xmlns:r="http://schemas.openxmlformats.org/officeDocument/2006/relationships" xmlns:p="http://schemas.openxmlformats.org/presentationml/2006/main">
   <p:cSld>
     <p:spTree>
@@ -11999,7 +15075,7 @@
 </p:sld>
 </file>
 
-<file path=ppt/slides/slide6.xml><?xml version="1.0" encoding="utf-8"?>
+<file path=ppt/slides/slide7.xml><?xml version="1.0" encoding="utf-8"?>
 <p:sld xmlns:a="http://schemas.openxmlformats.org/drawingml/2006/main" xmlns:r="http://schemas.openxmlformats.org/officeDocument/2006/relationships" xmlns:p="http://schemas.openxmlformats.org/presentationml/2006/main">
   <p:cSld>
     <p:spTree>
